--- a/nunubooks 포트폴리오.pptx
+++ b/nunubooks 포트폴리오.pptx
@@ -5,7 +5,7 @@
     <p:sldMasterId id="2147483648" r:id="rId1"/>
   </p:sldMasterIdLst>
   <p:notesMasterIdLst>
-    <p:notesMasterId r:id="rId17"/>
+    <p:notesMasterId r:id="rId20"/>
   </p:notesMasterIdLst>
   <p:sldIdLst>
     <p:sldId id="257" r:id="rId2"/>
@@ -17,12 +17,15 @@
     <p:sldId id="262" r:id="rId8"/>
     <p:sldId id="264" r:id="rId9"/>
     <p:sldId id="265" r:id="rId10"/>
-    <p:sldId id="266" r:id="rId11"/>
-    <p:sldId id="271" r:id="rId12"/>
-    <p:sldId id="267" r:id="rId13"/>
-    <p:sldId id="268" r:id="rId14"/>
-    <p:sldId id="269" r:id="rId15"/>
-    <p:sldId id="270" r:id="rId16"/>
+    <p:sldId id="274" r:id="rId11"/>
+    <p:sldId id="266" r:id="rId12"/>
+    <p:sldId id="271" r:id="rId13"/>
+    <p:sldId id="267" r:id="rId14"/>
+    <p:sldId id="268" r:id="rId15"/>
+    <p:sldId id="269" r:id="rId16"/>
+    <p:sldId id="270" r:id="rId17"/>
+    <p:sldId id="272" r:id="rId18"/>
+    <p:sldId id="273" r:id="rId19"/>
   </p:sldIdLst>
   <p:sldSz cx="12192000" cy="6858000"/>
   <p:notesSz cx="6858000" cy="9144000"/>
@@ -1300,14 +1303,6 @@
         </dgm:presLayoutVars>
       </dgm:prSet>
       <dgm:spPr/>
-      <dgm:t>
-        <a:bodyPr/>
-        <a:lstStyle/>
-        <a:p>
-          <a:pPr latinLnBrk="1"/>
-          <a:endParaRPr lang="ko-KR" altLang="en-US"/>
-        </a:p>
-      </dgm:t>
     </dgm:pt>
     <dgm:pt modelId="{3DBCEE86-FFFA-4537-84F3-EE230015B93F}" type="pres">
       <dgm:prSet presAssocID="{15FCF2AF-D721-4484-8A03-4ACC119E663A}" presName="node" presStyleLbl="node1" presStyleIdx="0" presStyleCnt="6" custScaleX="110144">
@@ -1316,38 +1311,14 @@
         </dgm:presLayoutVars>
       </dgm:prSet>
       <dgm:spPr/>
-      <dgm:t>
-        <a:bodyPr/>
-        <a:lstStyle/>
-        <a:p>
-          <a:pPr latinLnBrk="1"/>
-          <a:endParaRPr lang="ko-KR" altLang="en-US"/>
-        </a:p>
-      </dgm:t>
     </dgm:pt>
     <dgm:pt modelId="{2A79AB8B-6A1C-48C7-86CB-699050FE3FB8}" type="pres">
       <dgm:prSet presAssocID="{1A32A6EF-AE97-4529-ADA5-08C7E1C197E9}" presName="sibTrans" presStyleLbl="sibTrans1D1" presStyleIdx="0" presStyleCnt="5"/>
       <dgm:spPr/>
-      <dgm:t>
-        <a:bodyPr/>
-        <a:lstStyle/>
-        <a:p>
-          <a:pPr latinLnBrk="1"/>
-          <a:endParaRPr lang="ko-KR" altLang="en-US"/>
-        </a:p>
-      </dgm:t>
     </dgm:pt>
     <dgm:pt modelId="{73CED37D-4E95-4D45-BA1C-5DFAE10453DA}" type="pres">
       <dgm:prSet presAssocID="{1A32A6EF-AE97-4529-ADA5-08C7E1C197E9}" presName="connectorText" presStyleLbl="sibTrans1D1" presStyleIdx="0" presStyleCnt="5"/>
       <dgm:spPr/>
-      <dgm:t>
-        <a:bodyPr/>
-        <a:lstStyle/>
-        <a:p>
-          <a:pPr latinLnBrk="1"/>
-          <a:endParaRPr lang="ko-KR" altLang="en-US"/>
-        </a:p>
-      </dgm:t>
     </dgm:pt>
     <dgm:pt modelId="{81961DBE-34B9-428D-8FC4-32D60A05E367}" type="pres">
       <dgm:prSet presAssocID="{C882A757-50EF-4698-A7BF-4BAAE59F6615}" presName="node" presStyleLbl="node1" presStyleIdx="1" presStyleCnt="6" custScaleX="110144">
@@ -1356,38 +1327,14 @@
         </dgm:presLayoutVars>
       </dgm:prSet>
       <dgm:spPr/>
-      <dgm:t>
-        <a:bodyPr/>
-        <a:lstStyle/>
-        <a:p>
-          <a:pPr latinLnBrk="1"/>
-          <a:endParaRPr lang="ko-KR" altLang="en-US"/>
-        </a:p>
-      </dgm:t>
     </dgm:pt>
     <dgm:pt modelId="{9325E4E0-1ADD-4A45-8ABF-9DA10E80EFFD}" type="pres">
       <dgm:prSet presAssocID="{031E7528-E568-43E3-B9F0-EC31AD60C798}" presName="sibTrans" presStyleLbl="sibTrans1D1" presStyleIdx="1" presStyleCnt="5"/>
       <dgm:spPr/>
-      <dgm:t>
-        <a:bodyPr/>
-        <a:lstStyle/>
-        <a:p>
-          <a:pPr latinLnBrk="1"/>
-          <a:endParaRPr lang="ko-KR" altLang="en-US"/>
-        </a:p>
-      </dgm:t>
     </dgm:pt>
     <dgm:pt modelId="{CA834094-308A-4670-A919-B0E8C70D5112}" type="pres">
       <dgm:prSet presAssocID="{031E7528-E568-43E3-B9F0-EC31AD60C798}" presName="connectorText" presStyleLbl="sibTrans1D1" presStyleIdx="1" presStyleCnt="5"/>
       <dgm:spPr/>
-      <dgm:t>
-        <a:bodyPr/>
-        <a:lstStyle/>
-        <a:p>
-          <a:pPr latinLnBrk="1"/>
-          <a:endParaRPr lang="ko-KR" altLang="en-US"/>
-        </a:p>
-      </dgm:t>
     </dgm:pt>
     <dgm:pt modelId="{20199D80-FC76-4B63-8539-1B0DEA81E82A}" type="pres">
       <dgm:prSet presAssocID="{12698519-BD5C-4290-83FF-944E1E828667}" presName="node" presStyleLbl="node1" presStyleIdx="2" presStyleCnt="6" custScaleX="110144">
@@ -1396,38 +1343,14 @@
         </dgm:presLayoutVars>
       </dgm:prSet>
       <dgm:spPr/>
-      <dgm:t>
-        <a:bodyPr/>
-        <a:lstStyle/>
-        <a:p>
-          <a:pPr latinLnBrk="1"/>
-          <a:endParaRPr lang="ko-KR" altLang="en-US"/>
-        </a:p>
-      </dgm:t>
     </dgm:pt>
     <dgm:pt modelId="{47262E93-E2AA-4C54-B0BB-E3208DAECB4F}" type="pres">
       <dgm:prSet presAssocID="{5BE1665E-AEE9-4275-94B7-0B04DB5D6893}" presName="sibTrans" presStyleLbl="sibTrans1D1" presStyleIdx="2" presStyleCnt="5"/>
       <dgm:spPr/>
-      <dgm:t>
-        <a:bodyPr/>
-        <a:lstStyle/>
-        <a:p>
-          <a:pPr latinLnBrk="1"/>
-          <a:endParaRPr lang="ko-KR" altLang="en-US"/>
-        </a:p>
-      </dgm:t>
     </dgm:pt>
     <dgm:pt modelId="{ADA620D8-C19E-45FB-A052-51EB579DA5D3}" type="pres">
       <dgm:prSet presAssocID="{5BE1665E-AEE9-4275-94B7-0B04DB5D6893}" presName="connectorText" presStyleLbl="sibTrans1D1" presStyleIdx="2" presStyleCnt="5"/>
       <dgm:spPr/>
-      <dgm:t>
-        <a:bodyPr/>
-        <a:lstStyle/>
-        <a:p>
-          <a:pPr latinLnBrk="1"/>
-          <a:endParaRPr lang="ko-KR" altLang="en-US"/>
-        </a:p>
-      </dgm:t>
     </dgm:pt>
     <dgm:pt modelId="{77C0D065-F234-4C3B-A637-A7487F82B31E}" type="pres">
       <dgm:prSet presAssocID="{DE75180F-1433-4881-BC8A-CB5F12FE826B}" presName="node" presStyleLbl="node1" presStyleIdx="3" presStyleCnt="6" custScaleX="110144">
@@ -1436,38 +1359,14 @@
         </dgm:presLayoutVars>
       </dgm:prSet>
       <dgm:spPr/>
-      <dgm:t>
-        <a:bodyPr/>
-        <a:lstStyle/>
-        <a:p>
-          <a:pPr latinLnBrk="1"/>
-          <a:endParaRPr lang="ko-KR" altLang="en-US"/>
-        </a:p>
-      </dgm:t>
     </dgm:pt>
     <dgm:pt modelId="{03CA626A-DE8F-43B4-8B19-353476409D2C}" type="pres">
       <dgm:prSet presAssocID="{02D69E5F-EA56-4A19-85D3-83AB02785205}" presName="sibTrans" presStyleLbl="sibTrans1D1" presStyleIdx="3" presStyleCnt="5"/>
       <dgm:spPr/>
-      <dgm:t>
-        <a:bodyPr/>
-        <a:lstStyle/>
-        <a:p>
-          <a:pPr latinLnBrk="1"/>
-          <a:endParaRPr lang="ko-KR" altLang="en-US"/>
-        </a:p>
-      </dgm:t>
     </dgm:pt>
     <dgm:pt modelId="{ECC8CE0E-9CF6-4A01-B10D-D7B580CF9410}" type="pres">
       <dgm:prSet presAssocID="{02D69E5F-EA56-4A19-85D3-83AB02785205}" presName="connectorText" presStyleLbl="sibTrans1D1" presStyleIdx="3" presStyleCnt="5"/>
       <dgm:spPr/>
-      <dgm:t>
-        <a:bodyPr/>
-        <a:lstStyle/>
-        <a:p>
-          <a:pPr latinLnBrk="1"/>
-          <a:endParaRPr lang="ko-KR" altLang="en-US"/>
-        </a:p>
-      </dgm:t>
     </dgm:pt>
     <dgm:pt modelId="{9736EFB6-FAD6-4301-A502-B523D455E410}" type="pres">
       <dgm:prSet presAssocID="{39F97EF8-BBD7-40B3-B578-E0692EDBFAAE}" presName="node" presStyleLbl="node1" presStyleIdx="4" presStyleCnt="6" custScaleX="110144">
@@ -1476,38 +1375,14 @@
         </dgm:presLayoutVars>
       </dgm:prSet>
       <dgm:spPr/>
-      <dgm:t>
-        <a:bodyPr/>
-        <a:lstStyle/>
-        <a:p>
-          <a:pPr latinLnBrk="1"/>
-          <a:endParaRPr lang="ko-KR" altLang="en-US"/>
-        </a:p>
-      </dgm:t>
     </dgm:pt>
     <dgm:pt modelId="{B85EE388-22A5-4C66-B802-7B134995E3CD}" type="pres">
       <dgm:prSet presAssocID="{A28BF211-EDEE-44D3-AB82-2397E1CB3917}" presName="sibTrans" presStyleLbl="sibTrans1D1" presStyleIdx="4" presStyleCnt="5"/>
       <dgm:spPr/>
-      <dgm:t>
-        <a:bodyPr/>
-        <a:lstStyle/>
-        <a:p>
-          <a:pPr latinLnBrk="1"/>
-          <a:endParaRPr lang="ko-KR" altLang="en-US"/>
-        </a:p>
-      </dgm:t>
     </dgm:pt>
     <dgm:pt modelId="{ABBC7607-8F47-4CE2-9E43-32912FAEC2DC}" type="pres">
       <dgm:prSet presAssocID="{A28BF211-EDEE-44D3-AB82-2397E1CB3917}" presName="connectorText" presStyleLbl="sibTrans1D1" presStyleIdx="4" presStyleCnt="5"/>
       <dgm:spPr/>
-      <dgm:t>
-        <a:bodyPr/>
-        <a:lstStyle/>
-        <a:p>
-          <a:pPr latinLnBrk="1"/>
-          <a:endParaRPr lang="ko-KR" altLang="en-US"/>
-        </a:p>
-      </dgm:t>
     </dgm:pt>
     <dgm:pt modelId="{1CACBB9B-B2F4-4FC6-A5EF-5880EAA36649}" type="pres">
       <dgm:prSet presAssocID="{4B982E4E-0398-4373-88D1-506B3F0A065B}" presName="node" presStyleLbl="node1" presStyleIdx="5" presStyleCnt="6" custScaleX="110144">
@@ -1516,40 +1391,32 @@
         </dgm:presLayoutVars>
       </dgm:prSet>
       <dgm:spPr/>
-      <dgm:t>
-        <a:bodyPr/>
-        <a:lstStyle/>
-        <a:p>
-          <a:pPr latinLnBrk="1"/>
-          <a:endParaRPr lang="ko-KR" altLang="en-US"/>
-        </a:p>
-      </dgm:t>
     </dgm:pt>
   </dgm:ptLst>
   <dgm:cxnLst>
     <dgm:cxn modelId="{93017C01-99B6-45C3-B9F7-9FD7A1387A5C}" type="presOf" srcId="{02D69E5F-EA56-4A19-85D3-83AB02785205}" destId="{ECC8CE0E-9CF6-4A01-B10D-D7B580CF9410}" srcOrd="1" destOrd="0" presId="urn:microsoft.com/office/officeart/2005/8/layout/bProcess3"/>
+    <dgm:cxn modelId="{B2208804-10DC-48CA-AAED-D4AD20E23E8E}" type="presOf" srcId="{4B982E4E-0398-4373-88D1-506B3F0A065B}" destId="{1CACBB9B-B2F4-4FC6-A5EF-5880EAA36649}" srcOrd="0" destOrd="0" presId="urn:microsoft.com/office/officeart/2005/8/layout/bProcess3"/>
+    <dgm:cxn modelId="{B8D3860B-05E9-4F46-A31D-E3FC805093BC}" srcId="{778C28C2-0557-47D9-A6E4-4341F266D6CA}" destId="{12698519-BD5C-4290-83FF-944E1E828667}" srcOrd="2" destOrd="0" parTransId="{766B4F9C-19F3-4331-B8F9-A47BD25B24FF}" sibTransId="{5BE1665E-AEE9-4275-94B7-0B04DB5D6893}"/>
+    <dgm:cxn modelId="{D9219413-DB80-4D3F-AB49-3D98FDC2F101}" type="presOf" srcId="{1A32A6EF-AE97-4529-ADA5-08C7E1C197E9}" destId="{2A79AB8B-6A1C-48C7-86CB-699050FE3FB8}" srcOrd="0" destOrd="0" presId="urn:microsoft.com/office/officeart/2005/8/layout/bProcess3"/>
     <dgm:cxn modelId="{77AB071A-B89C-4AE2-8A83-12886D385C65}" type="presOf" srcId="{5BE1665E-AEE9-4275-94B7-0B04DB5D6893}" destId="{47262E93-E2AA-4C54-B0BB-E3208DAECB4F}" srcOrd="0" destOrd="0" presId="urn:microsoft.com/office/officeart/2005/8/layout/bProcess3"/>
-    <dgm:cxn modelId="{1C19EF59-B0F0-4D54-9ED7-37E2A9104C93}" type="presOf" srcId="{02D69E5F-EA56-4A19-85D3-83AB02785205}" destId="{03CA626A-DE8F-43B4-8B19-353476409D2C}" srcOrd="0" destOrd="0" presId="urn:microsoft.com/office/officeart/2005/8/layout/bProcess3"/>
-    <dgm:cxn modelId="{D41150C9-DD71-43FA-934E-77A0B887F661}" type="presOf" srcId="{778C28C2-0557-47D9-A6E4-4341F266D6CA}" destId="{2B64D0A2-8DAA-4D61-A2FA-498E23FAE13F}" srcOrd="0" destOrd="0" presId="urn:microsoft.com/office/officeart/2005/8/layout/bProcess3"/>
-    <dgm:cxn modelId="{C05EA77C-0457-436D-9DDF-820470083252}" type="presOf" srcId="{1A32A6EF-AE97-4529-ADA5-08C7E1C197E9}" destId="{73CED37D-4E95-4D45-BA1C-5DFAE10453DA}" srcOrd="1" destOrd="0" presId="urn:microsoft.com/office/officeart/2005/8/layout/bProcess3"/>
-    <dgm:cxn modelId="{034A5DB2-1D5F-4BC7-BFB0-A04B63134C29}" srcId="{778C28C2-0557-47D9-A6E4-4341F266D6CA}" destId="{C882A757-50EF-4698-A7BF-4BAAE59F6615}" srcOrd="1" destOrd="0" parTransId="{829BE1B4-0DAB-4971-A432-245D5CD1633D}" sibTransId="{031E7528-E568-43E3-B9F0-EC31AD60C798}"/>
-    <dgm:cxn modelId="{AAE406FF-57EE-4873-A9BC-D67D2BF56B86}" type="presOf" srcId="{A28BF211-EDEE-44D3-AB82-2397E1CB3917}" destId="{B85EE388-22A5-4C66-B802-7B134995E3CD}" srcOrd="0" destOrd="0" presId="urn:microsoft.com/office/officeart/2005/8/layout/bProcess3"/>
-    <dgm:cxn modelId="{87F5D66D-9E8D-4196-8FB1-03E92A0ADCFD}" type="presOf" srcId="{39F97EF8-BBD7-40B3-B578-E0692EDBFAAE}" destId="{9736EFB6-FAD6-4301-A502-B523D455E410}" srcOrd="0" destOrd="0" presId="urn:microsoft.com/office/officeart/2005/8/layout/bProcess3"/>
-    <dgm:cxn modelId="{D9219413-DB80-4D3F-AB49-3D98FDC2F101}" type="presOf" srcId="{1A32A6EF-AE97-4529-ADA5-08C7E1C197E9}" destId="{2A79AB8B-6A1C-48C7-86CB-699050FE3FB8}" srcOrd="0" destOrd="0" presId="urn:microsoft.com/office/officeart/2005/8/layout/bProcess3"/>
-    <dgm:cxn modelId="{0B2C3141-ED4C-45E5-B8BB-726D92022C0C}" type="presOf" srcId="{DE75180F-1433-4881-BC8A-CB5F12FE826B}" destId="{77C0D065-F234-4C3B-A637-A7487F82B31E}" srcOrd="0" destOrd="0" presId="urn:microsoft.com/office/officeart/2005/8/layout/bProcess3"/>
-    <dgm:cxn modelId="{64E1E26E-FD73-4E4B-B893-4116AFFA7DD6}" srcId="{778C28C2-0557-47D9-A6E4-4341F266D6CA}" destId="{15FCF2AF-D721-4484-8A03-4ACC119E663A}" srcOrd="0" destOrd="0" parTransId="{25042578-0E0C-4ACD-8611-4280E8280351}" sibTransId="{1A32A6EF-AE97-4529-ADA5-08C7E1C197E9}"/>
     <dgm:cxn modelId="{99091327-8961-4DEA-AA50-9AF82115D3C4}" type="presOf" srcId="{031E7528-E568-43E3-B9F0-EC31AD60C798}" destId="{9325E4E0-1ADD-4A45-8ABF-9DA10E80EFFD}" srcOrd="0" destOrd="0" presId="urn:microsoft.com/office/officeart/2005/8/layout/bProcess3"/>
     <dgm:cxn modelId="{E1183036-7E46-49B8-A63F-80E6CDED491D}" srcId="{778C28C2-0557-47D9-A6E4-4341F266D6CA}" destId="{39F97EF8-BBD7-40B3-B578-E0692EDBFAAE}" srcOrd="4" destOrd="0" parTransId="{616BC822-40AF-418F-80CC-AD18DD97CEB8}" sibTransId="{A28BF211-EDEE-44D3-AB82-2397E1CB3917}"/>
-    <dgm:cxn modelId="{B8D3860B-05E9-4F46-A31D-E3FC805093BC}" srcId="{778C28C2-0557-47D9-A6E4-4341F266D6CA}" destId="{12698519-BD5C-4290-83FF-944E1E828667}" srcOrd="2" destOrd="0" parTransId="{766B4F9C-19F3-4331-B8F9-A47BD25B24FF}" sibTransId="{5BE1665E-AEE9-4275-94B7-0B04DB5D6893}"/>
+    <dgm:cxn modelId="{4A0A573A-791F-4BE2-B752-CD3098071ACD}" type="presOf" srcId="{031E7528-E568-43E3-B9F0-EC31AD60C798}" destId="{CA834094-308A-4670-A919-B0E8C70D5112}" srcOrd="1" destOrd="0" presId="urn:microsoft.com/office/officeart/2005/8/layout/bProcess3"/>
+    <dgm:cxn modelId="{0B2C3141-ED4C-45E5-B8BB-726D92022C0C}" type="presOf" srcId="{DE75180F-1433-4881-BC8A-CB5F12FE826B}" destId="{77C0D065-F234-4C3B-A637-A7487F82B31E}" srcOrd="0" destOrd="0" presId="urn:microsoft.com/office/officeart/2005/8/layout/bProcess3"/>
+    <dgm:cxn modelId="{87F5D66D-9E8D-4196-8FB1-03E92A0ADCFD}" type="presOf" srcId="{39F97EF8-BBD7-40B3-B578-E0692EDBFAAE}" destId="{9736EFB6-FAD6-4301-A502-B523D455E410}" srcOrd="0" destOrd="0" presId="urn:microsoft.com/office/officeart/2005/8/layout/bProcess3"/>
+    <dgm:cxn modelId="{64E1E26E-FD73-4E4B-B893-4116AFFA7DD6}" srcId="{778C28C2-0557-47D9-A6E4-4341F266D6CA}" destId="{15FCF2AF-D721-4484-8A03-4ACC119E663A}" srcOrd="0" destOrd="0" parTransId="{25042578-0E0C-4ACD-8611-4280E8280351}" sibTransId="{1A32A6EF-AE97-4529-ADA5-08C7E1C197E9}"/>
+    <dgm:cxn modelId="{1C19EF59-B0F0-4D54-9ED7-37E2A9104C93}" type="presOf" srcId="{02D69E5F-EA56-4A19-85D3-83AB02785205}" destId="{03CA626A-DE8F-43B4-8B19-353476409D2C}" srcOrd="0" destOrd="0" presId="urn:microsoft.com/office/officeart/2005/8/layout/bProcess3"/>
+    <dgm:cxn modelId="{C05EA77C-0457-436D-9DDF-820470083252}" type="presOf" srcId="{1A32A6EF-AE97-4529-ADA5-08C7E1C197E9}" destId="{73CED37D-4E95-4D45-BA1C-5DFAE10453DA}" srcOrd="1" destOrd="0" presId="urn:microsoft.com/office/officeart/2005/8/layout/bProcess3"/>
+    <dgm:cxn modelId="{7273C287-24AD-4F7A-997D-A8A16B6821D7}" srcId="{778C28C2-0557-47D9-A6E4-4341F266D6CA}" destId="{DE75180F-1433-4881-BC8A-CB5F12FE826B}" srcOrd="3" destOrd="0" parTransId="{0495759F-17F0-4C99-B5F2-186A6612DFA7}" sibTransId="{02D69E5F-EA56-4A19-85D3-83AB02785205}"/>
+    <dgm:cxn modelId="{BAF4A491-ED0A-4B1C-9429-CD06BB5F00FE}" type="presOf" srcId="{C882A757-50EF-4698-A7BF-4BAAE59F6615}" destId="{81961DBE-34B9-428D-8FC4-32D60A05E367}" srcOrd="0" destOrd="0" presId="urn:microsoft.com/office/officeart/2005/8/layout/bProcess3"/>
     <dgm:cxn modelId="{C3F0E2A8-F688-410C-BD03-E8D9E37881ED}" type="presOf" srcId="{12698519-BD5C-4290-83FF-944E1E828667}" destId="{20199D80-FC76-4B63-8539-1B0DEA81E82A}" srcOrd="0" destOrd="0" presId="urn:microsoft.com/office/officeart/2005/8/layout/bProcess3"/>
+    <dgm:cxn modelId="{034A5DB2-1D5F-4BC7-BFB0-A04B63134C29}" srcId="{778C28C2-0557-47D9-A6E4-4341F266D6CA}" destId="{C882A757-50EF-4698-A7BF-4BAAE59F6615}" srcOrd="1" destOrd="0" parTransId="{829BE1B4-0DAB-4971-A432-245D5CD1633D}" sibTransId="{031E7528-E568-43E3-B9F0-EC31AD60C798}"/>
     <dgm:cxn modelId="{0D03A6B9-2AC1-445D-B3AD-FC282FF68B8C}" type="presOf" srcId="{A28BF211-EDEE-44D3-AB82-2397E1CB3917}" destId="{ABBC7607-8F47-4CE2-9E43-32912FAEC2DC}" srcOrd="1" destOrd="0" presId="urn:microsoft.com/office/officeart/2005/8/layout/bProcess3"/>
-    <dgm:cxn modelId="{4A0A573A-791F-4BE2-B752-CD3098071ACD}" type="presOf" srcId="{031E7528-E568-43E3-B9F0-EC31AD60C798}" destId="{CA834094-308A-4670-A919-B0E8C70D5112}" srcOrd="1" destOrd="0" presId="urn:microsoft.com/office/officeart/2005/8/layout/bProcess3"/>
     <dgm:cxn modelId="{D92DE6BB-1524-49EE-B008-F3FCE1BABCC1}" type="presOf" srcId="{5BE1665E-AEE9-4275-94B7-0B04DB5D6893}" destId="{ADA620D8-C19E-45FB-A052-51EB579DA5D3}" srcOrd="1" destOrd="0" presId="urn:microsoft.com/office/officeart/2005/8/layout/bProcess3"/>
+    <dgm:cxn modelId="{D41150C9-DD71-43FA-934E-77A0B887F661}" type="presOf" srcId="{778C28C2-0557-47D9-A6E4-4341F266D6CA}" destId="{2B64D0A2-8DAA-4D61-A2FA-498E23FAE13F}" srcOrd="0" destOrd="0" presId="urn:microsoft.com/office/officeart/2005/8/layout/bProcess3"/>
+    <dgm:cxn modelId="{529503DC-3D2F-4B01-8E2D-84616320A550}" srcId="{778C28C2-0557-47D9-A6E4-4341F266D6CA}" destId="{4B982E4E-0398-4373-88D1-506B3F0A065B}" srcOrd="5" destOrd="0" parTransId="{38183835-8292-41C5-BB68-4C4E48A850C8}" sibTransId="{2BEA38F8-AC02-48D2-8A84-E58BF00FA8D8}"/>
     <dgm:cxn modelId="{383C59EB-615F-407F-8FAC-7FD84547EAED}" type="presOf" srcId="{15FCF2AF-D721-4484-8A03-4ACC119E663A}" destId="{3DBCEE86-FFFA-4537-84F3-EE230015B93F}" srcOrd="0" destOrd="0" presId="urn:microsoft.com/office/officeart/2005/8/layout/bProcess3"/>
-    <dgm:cxn modelId="{529503DC-3D2F-4B01-8E2D-84616320A550}" srcId="{778C28C2-0557-47D9-A6E4-4341F266D6CA}" destId="{4B982E4E-0398-4373-88D1-506B3F0A065B}" srcOrd="5" destOrd="0" parTransId="{38183835-8292-41C5-BB68-4C4E48A850C8}" sibTransId="{2BEA38F8-AC02-48D2-8A84-E58BF00FA8D8}"/>
-    <dgm:cxn modelId="{7273C287-24AD-4F7A-997D-A8A16B6821D7}" srcId="{778C28C2-0557-47D9-A6E4-4341F266D6CA}" destId="{DE75180F-1433-4881-BC8A-CB5F12FE826B}" srcOrd="3" destOrd="0" parTransId="{0495759F-17F0-4C99-B5F2-186A6612DFA7}" sibTransId="{02D69E5F-EA56-4A19-85D3-83AB02785205}"/>
-    <dgm:cxn modelId="{B2208804-10DC-48CA-AAED-D4AD20E23E8E}" type="presOf" srcId="{4B982E4E-0398-4373-88D1-506B3F0A065B}" destId="{1CACBB9B-B2F4-4FC6-A5EF-5880EAA36649}" srcOrd="0" destOrd="0" presId="urn:microsoft.com/office/officeart/2005/8/layout/bProcess3"/>
-    <dgm:cxn modelId="{BAF4A491-ED0A-4B1C-9429-CD06BB5F00FE}" type="presOf" srcId="{C882A757-50EF-4698-A7BF-4BAAE59F6615}" destId="{81961DBE-34B9-428D-8FC4-32D60A05E367}" srcOrd="0" destOrd="0" presId="urn:microsoft.com/office/officeart/2005/8/layout/bProcess3"/>
+    <dgm:cxn modelId="{AAE406FF-57EE-4873-A9BC-D67D2BF56B86}" type="presOf" srcId="{A28BF211-EDEE-44D3-AB82-2397E1CB3917}" destId="{B85EE388-22A5-4C66-B802-7B134995E3CD}" srcOrd="0" destOrd="0" presId="urn:microsoft.com/office/officeart/2005/8/layout/bProcess3"/>
     <dgm:cxn modelId="{A9854A9B-48F9-4718-999D-70DDEC58319A}" type="presParOf" srcId="{2B64D0A2-8DAA-4D61-A2FA-498E23FAE13F}" destId="{3DBCEE86-FFFA-4537-84F3-EE230015B93F}" srcOrd="0" destOrd="0" presId="urn:microsoft.com/office/officeart/2005/8/layout/bProcess3"/>
     <dgm:cxn modelId="{486C33F5-6254-4038-A354-31D3136F1B0D}" type="presParOf" srcId="{2B64D0A2-8DAA-4D61-A2FA-498E23FAE13F}" destId="{2A79AB8B-6A1C-48C7-86CB-699050FE3FB8}" srcOrd="1" destOrd="0" presId="urn:microsoft.com/office/officeart/2005/8/layout/bProcess3"/>
     <dgm:cxn modelId="{E0F210BE-506E-41A2-BB9F-56D863F9DB41}" type="presParOf" srcId="{2A79AB8B-6A1C-48C7-86CB-699050FE3FB8}" destId="{73CED37D-4E95-4D45-BA1C-5DFAE10453DA}" srcOrd="0" destOrd="0" presId="urn:microsoft.com/office/officeart/2005/8/layout/bProcess3"/>
@@ -1651,7 +1518,7 @@
         </a:bodyPr>
         <a:lstStyle/>
         <a:p>
-          <a:pPr lvl="0" algn="ctr" defTabSz="222250" latinLnBrk="1">
+          <a:pPr marL="0" lvl="0" indent="0" algn="ctr" defTabSz="222250" latinLnBrk="1">
             <a:lnSpc>
               <a:spcPct val="90000"/>
             </a:lnSpc>
@@ -1661,6 +1528,7 @@
             <a:spcAft>
               <a:spcPct val="35000"/>
             </a:spcAft>
+            <a:buNone/>
           </a:pPr>
           <a:endParaRPr lang="ko-KR" altLang="en-US" sz="500" kern="1200"/>
         </a:p>
@@ -1722,7 +1590,7 @@
         </a:bodyPr>
         <a:lstStyle/>
         <a:p>
-          <a:pPr lvl="0" algn="ctr" defTabSz="1200150" latinLnBrk="1">
+          <a:pPr marL="0" lvl="0" indent="0" algn="ctr" defTabSz="1200150" latinLnBrk="1">
             <a:lnSpc>
               <a:spcPct val="90000"/>
             </a:lnSpc>
@@ -1732,6 +1600,7 @@
             <a:spcAft>
               <a:spcPct val="35000"/>
             </a:spcAft>
+            <a:buNone/>
           </a:pPr>
           <a:r>
             <a:rPr lang="ko-KR" altLang="en-US" sz="2700" kern="1200" dirty="0"/>
@@ -1802,7 +1671,7 @@
         </a:bodyPr>
         <a:lstStyle/>
         <a:p>
-          <a:pPr lvl="0" algn="ctr" defTabSz="222250" latinLnBrk="1">
+          <a:pPr marL="0" lvl="0" indent="0" algn="ctr" defTabSz="222250" latinLnBrk="1">
             <a:lnSpc>
               <a:spcPct val="90000"/>
             </a:lnSpc>
@@ -1812,6 +1681,7 @@
             <a:spcAft>
               <a:spcPct val="35000"/>
             </a:spcAft>
+            <a:buNone/>
           </a:pPr>
           <a:endParaRPr lang="ko-KR" altLang="en-US" sz="500" kern="1200"/>
         </a:p>
@@ -1873,7 +1743,7 @@
         </a:bodyPr>
         <a:lstStyle/>
         <a:p>
-          <a:pPr lvl="0" algn="ctr" defTabSz="1200150" latinLnBrk="1">
+          <a:pPr marL="0" lvl="0" indent="0" algn="ctr" defTabSz="1200150" latinLnBrk="1">
             <a:lnSpc>
               <a:spcPct val="90000"/>
             </a:lnSpc>
@@ -1883,6 +1753,7 @@
             <a:spcAft>
               <a:spcPct val="35000"/>
             </a:spcAft>
+            <a:buNone/>
           </a:pPr>
           <a:r>
             <a:rPr lang="ko-KR" altLang="en-US" sz="2700" kern="1200" dirty="0"/>
@@ -1959,7 +1830,7 @@
         </a:bodyPr>
         <a:lstStyle/>
         <a:p>
-          <a:pPr lvl="0" algn="ctr" defTabSz="222250" latinLnBrk="1">
+          <a:pPr marL="0" lvl="0" indent="0" algn="ctr" defTabSz="222250" latinLnBrk="1">
             <a:lnSpc>
               <a:spcPct val="90000"/>
             </a:lnSpc>
@@ -1969,6 +1840,7 @@
             <a:spcAft>
               <a:spcPct val="35000"/>
             </a:spcAft>
+            <a:buNone/>
           </a:pPr>
           <a:endParaRPr lang="ko-KR" altLang="en-US" sz="500" kern="1200"/>
         </a:p>
@@ -2030,7 +1902,7 @@
         </a:bodyPr>
         <a:lstStyle/>
         <a:p>
-          <a:pPr lvl="0" algn="ctr" defTabSz="1200150" latinLnBrk="1">
+          <a:pPr marL="0" lvl="0" indent="0" algn="ctr" defTabSz="1200150" latinLnBrk="1">
             <a:lnSpc>
               <a:spcPct val="90000"/>
             </a:lnSpc>
@@ -2040,6 +1912,7 @@
             <a:spcAft>
               <a:spcPct val="35000"/>
             </a:spcAft>
+            <a:buNone/>
           </a:pPr>
           <a:r>
             <a:rPr lang="ko-KR" altLang="en-US" sz="2700" kern="1200" dirty="0"/>
@@ -2110,7 +1983,7 @@
         </a:bodyPr>
         <a:lstStyle/>
         <a:p>
-          <a:pPr lvl="0" algn="ctr" defTabSz="222250" latinLnBrk="1">
+          <a:pPr marL="0" lvl="0" indent="0" algn="ctr" defTabSz="222250" latinLnBrk="1">
             <a:lnSpc>
               <a:spcPct val="90000"/>
             </a:lnSpc>
@@ -2120,6 +1993,7 @@
             <a:spcAft>
               <a:spcPct val="35000"/>
             </a:spcAft>
+            <a:buNone/>
           </a:pPr>
           <a:endParaRPr lang="ko-KR" altLang="en-US" sz="500" kern="1200"/>
         </a:p>
@@ -2181,7 +2055,7 @@
         </a:bodyPr>
         <a:lstStyle/>
         <a:p>
-          <a:pPr lvl="0" algn="ctr" defTabSz="1200150" latinLnBrk="1">
+          <a:pPr marL="0" lvl="0" indent="0" algn="ctr" defTabSz="1200150" latinLnBrk="1">
             <a:lnSpc>
               <a:spcPct val="90000"/>
             </a:lnSpc>
@@ -2191,6 +2065,7 @@
             <a:spcAft>
               <a:spcPct val="35000"/>
             </a:spcAft>
+            <a:buNone/>
           </a:pPr>
           <a:r>
             <a:rPr lang="en-US" altLang="ko-KR" sz="2700" kern="1200" dirty="0"/>
@@ -2265,7 +2140,7 @@
         </a:bodyPr>
         <a:lstStyle/>
         <a:p>
-          <a:pPr lvl="0" algn="ctr" defTabSz="222250" latinLnBrk="1">
+          <a:pPr marL="0" lvl="0" indent="0" algn="ctr" defTabSz="222250" latinLnBrk="1">
             <a:lnSpc>
               <a:spcPct val="90000"/>
             </a:lnSpc>
@@ -2275,6 +2150,7 @@
             <a:spcAft>
               <a:spcPct val="35000"/>
             </a:spcAft>
+            <a:buNone/>
           </a:pPr>
           <a:endParaRPr lang="ko-KR" altLang="en-US" sz="500" kern="1200"/>
         </a:p>
@@ -2336,7 +2212,7 @@
         </a:bodyPr>
         <a:lstStyle/>
         <a:p>
-          <a:pPr lvl="0" algn="ctr" defTabSz="1200150" latinLnBrk="1">
+          <a:pPr marL="0" lvl="0" indent="0" algn="ctr" defTabSz="1200150" latinLnBrk="1">
             <a:lnSpc>
               <a:spcPct val="90000"/>
             </a:lnSpc>
@@ -2346,6 +2222,7 @@
             <a:spcAft>
               <a:spcPct val="35000"/>
             </a:spcAft>
+            <a:buNone/>
           </a:pPr>
           <a:r>
             <a:rPr lang="en-US" altLang="ko-KR" sz="2700" kern="1200" dirty="0"/>
@@ -2414,7 +2291,7 @@
         </a:bodyPr>
         <a:lstStyle/>
         <a:p>
-          <a:pPr lvl="0" algn="ctr" defTabSz="1200150" latinLnBrk="1">
+          <a:pPr marL="0" lvl="0" indent="0" algn="ctr" defTabSz="1200150" latinLnBrk="1">
             <a:lnSpc>
               <a:spcPct val="90000"/>
             </a:lnSpc>
@@ -2424,6 +2301,7 @@
             <a:spcAft>
               <a:spcPct val="35000"/>
             </a:spcAft>
+            <a:buNone/>
           </a:pPr>
           <a:r>
             <a:rPr lang="ko-KR" altLang="en-US" sz="2700" kern="1200" dirty="0"/>
@@ -3744,7 +3622,7 @@
           <a:p>
             <a:fld id="{DCAB58D3-2081-4533-8BA6-20E5AB7AAED1}" type="datetimeFigureOut">
               <a:rPr lang="ko-KR" altLang="en-US" smtClean="0"/>
-              <a:t>2025-02-04</a:t>
+              <a:t>2025-09-19</a:t>
             </a:fld>
             <a:endParaRPr lang="ko-KR" altLang="en-US"/>
           </a:p>
@@ -4458,7 +4336,7 @@
           <a:p>
             <a:fld id="{722F7B8C-A5CC-4015-BC07-A5AC0BBB447E}" type="datetimeFigureOut">
               <a:rPr lang="ko-KR" altLang="en-US" smtClean="0"/>
-              <a:t>2025-02-04</a:t>
+              <a:t>2025-09-19</a:t>
             </a:fld>
             <a:endParaRPr lang="ko-KR" altLang="en-US"/>
           </a:p>
@@ -4656,7 +4534,7 @@
           <a:p>
             <a:fld id="{722F7B8C-A5CC-4015-BC07-A5AC0BBB447E}" type="datetimeFigureOut">
               <a:rPr lang="ko-KR" altLang="en-US" smtClean="0"/>
-              <a:t>2025-02-04</a:t>
+              <a:t>2025-09-19</a:t>
             </a:fld>
             <a:endParaRPr lang="ko-KR" altLang="en-US"/>
           </a:p>
@@ -4864,7 +4742,7 @@
           <a:p>
             <a:fld id="{722F7B8C-A5CC-4015-BC07-A5AC0BBB447E}" type="datetimeFigureOut">
               <a:rPr lang="ko-KR" altLang="en-US" smtClean="0"/>
-              <a:t>2025-02-04</a:t>
+              <a:t>2025-09-19</a:t>
             </a:fld>
             <a:endParaRPr lang="ko-KR" altLang="en-US"/>
           </a:p>
@@ -5062,7 +4940,7 @@
           <a:p>
             <a:fld id="{722F7B8C-A5CC-4015-BC07-A5AC0BBB447E}" type="datetimeFigureOut">
               <a:rPr lang="ko-KR" altLang="en-US" smtClean="0"/>
-              <a:t>2025-02-04</a:t>
+              <a:t>2025-09-19</a:t>
             </a:fld>
             <a:endParaRPr lang="ko-KR" altLang="en-US"/>
           </a:p>
@@ -5337,7 +5215,7 @@
           <a:p>
             <a:fld id="{722F7B8C-A5CC-4015-BC07-A5AC0BBB447E}" type="datetimeFigureOut">
               <a:rPr lang="ko-KR" altLang="en-US" smtClean="0"/>
-              <a:t>2025-02-04</a:t>
+              <a:t>2025-09-19</a:t>
             </a:fld>
             <a:endParaRPr lang="ko-KR" altLang="en-US"/>
           </a:p>
@@ -5602,7 +5480,7 @@
           <a:p>
             <a:fld id="{722F7B8C-A5CC-4015-BC07-A5AC0BBB447E}" type="datetimeFigureOut">
               <a:rPr lang="ko-KR" altLang="en-US" smtClean="0"/>
-              <a:t>2025-02-04</a:t>
+              <a:t>2025-09-19</a:t>
             </a:fld>
             <a:endParaRPr lang="ko-KR" altLang="en-US"/>
           </a:p>
@@ -6014,7 +5892,7 @@
           <a:p>
             <a:fld id="{722F7B8C-A5CC-4015-BC07-A5AC0BBB447E}" type="datetimeFigureOut">
               <a:rPr lang="ko-KR" altLang="en-US" smtClean="0"/>
-              <a:t>2025-02-04</a:t>
+              <a:t>2025-09-19</a:t>
             </a:fld>
             <a:endParaRPr lang="ko-KR" altLang="en-US"/>
           </a:p>
@@ -6155,7 +6033,7 @@
           <a:p>
             <a:fld id="{722F7B8C-A5CC-4015-BC07-A5AC0BBB447E}" type="datetimeFigureOut">
               <a:rPr lang="ko-KR" altLang="en-US" smtClean="0"/>
-              <a:t>2025-02-04</a:t>
+              <a:t>2025-09-19</a:t>
             </a:fld>
             <a:endParaRPr lang="ko-KR" altLang="en-US"/>
           </a:p>
@@ -6268,7 +6146,7 @@
           <a:p>
             <a:fld id="{722F7B8C-A5CC-4015-BC07-A5AC0BBB447E}" type="datetimeFigureOut">
               <a:rPr lang="ko-KR" altLang="en-US" smtClean="0"/>
-              <a:t>2025-02-04</a:t>
+              <a:t>2025-09-19</a:t>
             </a:fld>
             <a:endParaRPr lang="ko-KR" altLang="en-US"/>
           </a:p>
@@ -6579,7 +6457,7 @@
           <a:p>
             <a:fld id="{722F7B8C-A5CC-4015-BC07-A5AC0BBB447E}" type="datetimeFigureOut">
               <a:rPr lang="ko-KR" altLang="en-US" smtClean="0"/>
-              <a:t>2025-02-04</a:t>
+              <a:t>2025-09-19</a:t>
             </a:fld>
             <a:endParaRPr lang="ko-KR" altLang="en-US"/>
           </a:p>
@@ -6867,7 +6745,7 @@
           <a:p>
             <a:fld id="{722F7B8C-A5CC-4015-BC07-A5AC0BBB447E}" type="datetimeFigureOut">
               <a:rPr lang="ko-KR" altLang="en-US" smtClean="0"/>
-              <a:t>2025-02-04</a:t>
+              <a:t>2025-09-19</a:t>
             </a:fld>
             <a:endParaRPr lang="ko-KR" altLang="en-US"/>
           </a:p>
@@ -7108,7 +6986,7 @@
           <a:p>
             <a:fld id="{722F7B8C-A5CC-4015-BC07-A5AC0BBB447E}" type="datetimeFigureOut">
               <a:rPr lang="ko-KR" altLang="en-US" smtClean="0"/>
-              <a:t>2025-02-04</a:t>
+              <a:t>2025-09-19</a:t>
             </a:fld>
             <a:endParaRPr lang="ko-KR" altLang="en-US"/>
           </a:p>
@@ -7540,7 +7418,7 @@
           <p:nvPr/>
         </p:nvPicPr>
         <p:blipFill>
-          <a:blip r:embed="rId2" cstate="hqprint">
+          <a:blip r:embed="rId2">
             <a:extLst>
               <a:ext uri="{28A0092B-C50C-407E-A947-70E740481C1C}">
                 <a14:useLocalDpi xmlns:a14="http://schemas.microsoft.com/office/drawing/2010/main" val="0"/>
@@ -8407,6 +8285,282 @@
         <p:cNvPr id="1" name="">
           <a:extLst>
             <a:ext uri="{FF2B5EF4-FFF2-40B4-BE49-F238E27FC236}">
+              <a16:creationId xmlns:a16="http://schemas.microsoft.com/office/drawing/2014/main" id="{92A23D46-C5F4-13DA-3B83-DC874162EE9B}"/>
+            </a:ext>
+          </a:extLst>
+        </p:cNvPr>
+        <p:cNvGrpSpPr/>
+        <p:nvPr/>
+      </p:nvGrpSpPr>
+      <p:grpSpPr>
+        <a:xfrm>
+          <a:off x="0" y="0"/>
+          <a:ext cx="0" cy="0"/>
+          <a:chOff x="0" y="0"/>
+          <a:chExt cx="0" cy="0"/>
+        </a:xfrm>
+      </p:grpSpPr>
+      <p:sp>
+        <p:nvSpPr>
+          <p:cNvPr id="2" name="TextBox 1">
+            <a:extLst>
+              <a:ext uri="{FF2B5EF4-FFF2-40B4-BE49-F238E27FC236}">
+                <a16:creationId xmlns:a16="http://schemas.microsoft.com/office/drawing/2014/main" id="{8A1E30F1-FF18-5794-FDDF-0CA76B876081}"/>
+              </a:ext>
+            </a:extLst>
+          </p:cNvPr>
+          <p:cNvSpPr txBox="1"/>
+          <p:nvPr/>
+        </p:nvSpPr>
+        <p:spPr>
+          <a:xfrm>
+            <a:off x="8761855" y="186139"/>
+            <a:ext cx="3297698" cy="707886"/>
+          </a:xfrm>
+          <a:prstGeom prst="rect">
+            <a:avLst/>
+          </a:prstGeom>
+          <a:noFill/>
+        </p:spPr>
+        <p:txBody>
+          <a:bodyPr wrap="none" rtlCol="0">
+            <a:spAutoFit/>
+          </a:bodyPr>
+          <a:lstStyle/>
+          <a:p>
+            <a:r>
+              <a:rPr lang="en-US" altLang="ko-KR" sz="4000" b="1" i="1" dirty="0">
+                <a:solidFill>
+                  <a:schemeClr val="bg1">
+                    <a:lumMod val="85000"/>
+                  </a:schemeClr>
+                </a:solidFill>
+              </a:rPr>
+              <a:t>Specification</a:t>
+            </a:r>
+            <a:endParaRPr lang="ko-KR" altLang="en-US" sz="4000" b="1" i="1" dirty="0">
+              <a:solidFill>
+                <a:schemeClr val="bg1">
+                  <a:lumMod val="85000"/>
+                </a:schemeClr>
+              </a:solidFill>
+            </a:endParaRPr>
+          </a:p>
+        </p:txBody>
+      </p:sp>
+      <p:sp>
+        <p:nvSpPr>
+          <p:cNvPr id="5" name="TextBox 4">
+            <a:extLst>
+              <a:ext uri="{FF2B5EF4-FFF2-40B4-BE49-F238E27FC236}">
+                <a16:creationId xmlns:a16="http://schemas.microsoft.com/office/drawing/2014/main" id="{715AFD6D-9487-D20A-E55D-08325E9C4331}"/>
+              </a:ext>
+            </a:extLst>
+          </p:cNvPr>
+          <p:cNvSpPr txBox="1"/>
+          <p:nvPr/>
+        </p:nvSpPr>
+        <p:spPr>
+          <a:xfrm>
+            <a:off x="370279" y="894025"/>
+            <a:ext cx="2326278" cy="400110"/>
+          </a:xfrm>
+          <a:prstGeom prst="rect">
+            <a:avLst/>
+          </a:prstGeom>
+          <a:noFill/>
+        </p:spPr>
+        <p:txBody>
+          <a:bodyPr wrap="none" rtlCol="0">
+            <a:spAutoFit/>
+          </a:bodyPr>
+          <a:lstStyle/>
+          <a:p>
+            <a:r>
+              <a:rPr lang="ko-KR" altLang="en-US" sz="2000" b="1" dirty="0"/>
+              <a:t>임시비밀번호 발급</a:t>
+            </a:r>
+          </a:p>
+        </p:txBody>
+      </p:sp>
+      <p:sp>
+        <p:nvSpPr>
+          <p:cNvPr id="11" name="TextBox 10">
+            <a:extLst>
+              <a:ext uri="{FF2B5EF4-FFF2-40B4-BE49-F238E27FC236}">
+                <a16:creationId xmlns:a16="http://schemas.microsoft.com/office/drawing/2014/main" id="{24A07976-5CE3-247D-4388-0BD7F2C8C963}"/>
+              </a:ext>
+            </a:extLst>
+          </p:cNvPr>
+          <p:cNvSpPr txBox="1"/>
+          <p:nvPr/>
+        </p:nvSpPr>
+        <p:spPr>
+          <a:xfrm>
+            <a:off x="5449299" y="1858649"/>
+            <a:ext cx="6609502" cy="1020216"/>
+          </a:xfrm>
+          <a:prstGeom prst="rect">
+            <a:avLst/>
+          </a:prstGeom>
+          <a:noFill/>
+        </p:spPr>
+        <p:txBody>
+          <a:bodyPr wrap="none" rtlCol="0">
+            <a:spAutoFit/>
+          </a:bodyPr>
+          <a:lstStyle/>
+          <a:p>
+            <a:pPr marL="285750" indent="-285750">
+              <a:lnSpc>
+                <a:spcPct val="150000"/>
+              </a:lnSpc>
+              <a:buFont typeface="Arial" panose="020B0604020202020204" pitchFamily="34" charset="0"/>
+              <a:buChar char="•"/>
+            </a:pPr>
+            <a:r>
+              <a:rPr lang="ko-KR" altLang="en-US" sz="1400" b="1" dirty="0"/>
+              <a:t>이메일을 통한 임시 비밀번호 발급 </a:t>
+            </a:r>
+            <a:r>
+              <a:rPr lang="en-US" altLang="ko-KR" sz="1400" b="1" dirty="0"/>
+              <a:t>: </a:t>
+            </a:r>
+            <a:r>
+              <a:rPr lang="ko-KR" altLang="en-US" sz="1400" dirty="0" err="1"/>
+              <a:t>해싱</a:t>
+            </a:r>
+            <a:r>
+              <a:rPr lang="ko-KR" altLang="en-US" sz="1400" dirty="0"/>
+              <a:t> 처리된 비밀번호는 보안상 복호화</a:t>
+            </a:r>
+            <a:br>
+              <a:rPr lang="en-US" altLang="ko-KR" sz="1400" dirty="0"/>
+            </a:br>
+            <a:r>
+              <a:rPr lang="ko-KR" altLang="en-US" sz="1400" dirty="0"/>
+              <a:t>할 수 없으므로 임시 비밀번호 발급 후 회원 정보 수정하여 사용 가능하게 함</a:t>
+            </a:r>
+            <a:endParaRPr lang="en-US" altLang="ko-KR" sz="1400" dirty="0"/>
+          </a:p>
+          <a:p>
+            <a:pPr marL="285750" indent="-285750">
+              <a:lnSpc>
+                <a:spcPct val="150000"/>
+              </a:lnSpc>
+              <a:buFont typeface="Arial" panose="020B0604020202020204" pitchFamily="34" charset="0"/>
+              <a:buChar char="•"/>
+            </a:pPr>
+            <a:r>
+              <a:rPr lang="ko-KR" altLang="en-US" sz="1400" dirty="0"/>
+              <a:t>임시 비밀번호 메일에서 로그인 주소로 바로 이동 가능하게 링크를 첨부함</a:t>
+            </a:r>
+            <a:endParaRPr lang="en-US" altLang="ko-KR" sz="1400" dirty="0"/>
+          </a:p>
+        </p:txBody>
+      </p:sp>
+      <p:pic>
+        <p:nvPicPr>
+          <p:cNvPr id="9" name="그림 8">
+            <a:extLst>
+              <a:ext uri="{FF2B5EF4-FFF2-40B4-BE49-F238E27FC236}">
+                <a16:creationId xmlns:a16="http://schemas.microsoft.com/office/drawing/2014/main" id="{720CA2DC-2502-A5D3-8AF5-A6195F404A09}"/>
+              </a:ext>
+            </a:extLst>
+          </p:cNvPr>
+          <p:cNvPicPr>
+            <a:picLocks noChangeAspect="1"/>
+          </p:cNvPicPr>
+          <p:nvPr/>
+        </p:nvPicPr>
+        <p:blipFill>
+          <a:blip r:embed="rId2"/>
+          <a:stretch>
+            <a:fillRect/>
+          </a:stretch>
+        </p:blipFill>
+        <p:spPr>
+          <a:xfrm>
+            <a:off x="370279" y="1486535"/>
+            <a:ext cx="4057326" cy="2410774"/>
+          </a:xfrm>
+          <a:prstGeom prst="rect">
+            <a:avLst/>
+          </a:prstGeom>
+          <a:solidFill>
+            <a:srgbClr val="FFFFFF">
+              <a:shade val="85000"/>
+            </a:srgbClr>
+          </a:solidFill>
+          <a:ln w="3175" cap="sq">
+            <a:solidFill>
+              <a:schemeClr val="bg1">
+                <a:lumMod val="65000"/>
+              </a:schemeClr>
+            </a:solidFill>
+            <a:miter lim="800000"/>
+          </a:ln>
+          <a:effectLst/>
+        </p:spPr>
+      </p:pic>
+      <p:pic>
+        <p:nvPicPr>
+          <p:cNvPr id="13" name="그림 12">
+            <a:extLst>
+              <a:ext uri="{FF2B5EF4-FFF2-40B4-BE49-F238E27FC236}">
+                <a16:creationId xmlns:a16="http://schemas.microsoft.com/office/drawing/2014/main" id="{FC845700-0DDF-7E8F-6A80-6254A188D3AF}"/>
+              </a:ext>
+            </a:extLst>
+          </p:cNvPr>
+          <p:cNvPicPr>
+            <a:picLocks noChangeAspect="1"/>
+          </p:cNvPicPr>
+          <p:nvPr/>
+        </p:nvPicPr>
+        <p:blipFill>
+          <a:blip r:embed="rId3"/>
+          <a:stretch>
+            <a:fillRect/>
+          </a:stretch>
+        </p:blipFill>
+        <p:spPr>
+          <a:xfrm>
+            <a:off x="370279" y="4089709"/>
+            <a:ext cx="3650073" cy="2470507"/>
+          </a:xfrm>
+          <a:prstGeom prst="rect">
+            <a:avLst/>
+          </a:prstGeom>
+          <a:ln>
+            <a:solidFill>
+              <a:schemeClr val="bg1">
+                <a:lumMod val="75000"/>
+              </a:schemeClr>
+            </a:solidFill>
+          </a:ln>
+        </p:spPr>
+      </p:pic>
+    </p:spTree>
+    <p:extLst>
+      <p:ext uri="{BB962C8B-B14F-4D97-AF65-F5344CB8AC3E}">
+        <p14:creationId xmlns:p14="http://schemas.microsoft.com/office/powerpoint/2010/main" val="2374421548"/>
+      </p:ext>
+    </p:extLst>
+  </p:cSld>
+  <p:clrMapOvr>
+    <a:masterClrMapping/>
+  </p:clrMapOvr>
+</p:sld>
+</file>
+
+<file path=ppt/slides/slide11.xml><?xml version="1.0" encoding="utf-8"?>
+<p:sld xmlns:a="http://schemas.openxmlformats.org/drawingml/2006/main" xmlns:r="http://schemas.openxmlformats.org/officeDocument/2006/relationships" xmlns:p="http://schemas.openxmlformats.org/presentationml/2006/main">
+  <p:cSld>
+    <p:spTree>
+      <p:nvGrpSpPr>
+        <p:cNvPr id="1" name="">
+          <a:extLst>
+            <a:ext uri="{FF2B5EF4-FFF2-40B4-BE49-F238E27FC236}">
               <a16:creationId xmlns:a16="http://schemas.microsoft.com/office/drawing/2014/main" id="{DEEE0B91-B223-8D7D-2995-6BF63EC4B653}"/>
             </a:ext>
           </a:extLst>
@@ -8520,7 +8674,7 @@
         <p:spPr>
           <a:xfrm>
             <a:off x="6282520" y="1503214"/>
-            <a:ext cx="5923416" cy="2354491"/>
+            <a:ext cx="5923416" cy="2312877"/>
           </a:xfrm>
           <a:prstGeom prst="rect">
             <a:avLst/>
@@ -8585,7 +8739,7 @@
               <a:buChar char="§"/>
             </a:pPr>
             <a:r>
-              <a:rPr lang="en-US" altLang="ko-KR" sz="1400" dirty="0" smtClean="0"/>
+              <a:rPr lang="en-US" altLang="ko-KR" sz="1400" dirty="0"/>
               <a:t>API </a:t>
             </a:r>
             <a:r>
@@ -8695,20 +8849,12 @@
               <a:t>절판 제외 </a:t>
             </a:r>
             <a:r>
-              <a:rPr lang="en-US" altLang="ko-KR" sz="1400" dirty="0" smtClean="0"/>
-              <a:t>select </a:t>
-            </a:r>
-            <a:r>
-              <a:rPr lang="ko-KR" altLang="en-US" sz="1400" dirty="0" err="1" smtClean="0"/>
-              <a:t>선택시</a:t>
-            </a:r>
-            <a:r>
-              <a:rPr lang="ko-KR" altLang="en-US" sz="1400" dirty="0" smtClean="0"/>
-              <a:t> </a:t>
+              <a:rPr lang="en-US" altLang="ko-KR" sz="1400" dirty="0"/>
+              <a:t>select</a:t>
             </a:r>
             <a:r>
               <a:rPr lang="ko-KR" altLang="en-US" sz="1400" dirty="0"/>
-              <a:t>전체 검색 결과도 자동으로 변경</a:t>
+              <a:t>시 전체 검색 결과도 자동으로 변경</a:t>
             </a:r>
             <a:endParaRPr lang="en-US" altLang="ko-KR" sz="1400" dirty="0"/>
           </a:p>
@@ -8887,7 +9033,7 @@
 </p:sld>
 </file>
 
-<file path=ppt/slides/slide11.xml><?xml version="1.0" encoding="utf-8"?>
+<file path=ppt/slides/slide12.xml><?xml version="1.0" encoding="utf-8"?>
 <p:sld xmlns:a="http://schemas.openxmlformats.org/drawingml/2006/main" xmlns:r="http://schemas.openxmlformats.org/officeDocument/2006/relationships" xmlns:p="http://schemas.openxmlformats.org/presentationml/2006/main">
   <p:cSld>
     <p:spTree>
@@ -9058,151 +9204,6 @@
           </a:ln>
         </p:spPr>
       </p:pic>
-      <p:sp>
-        <p:nvSpPr>
-          <p:cNvPr id="2" name="TextBox 1"/>
-          <p:cNvSpPr txBox="1"/>
-          <p:nvPr/>
-        </p:nvSpPr>
-        <p:spPr>
-          <a:xfrm>
-            <a:off x="5563819" y="1389385"/>
-            <a:ext cx="6157455" cy="1708160"/>
-          </a:xfrm>
-          <a:prstGeom prst="rect">
-            <a:avLst/>
-          </a:prstGeom>
-          <a:noFill/>
-        </p:spPr>
-        <p:txBody>
-          <a:bodyPr wrap="none" rtlCol="0">
-            <a:spAutoFit/>
-          </a:bodyPr>
-          <a:lstStyle/>
-          <a:p>
-            <a:pPr marL="285750" indent="-285750">
-              <a:lnSpc>
-                <a:spcPct val="150000"/>
-              </a:lnSpc>
-              <a:buFont typeface="Arial" panose="020B0604020202020204" pitchFamily="34" charset="0"/>
-              <a:buChar char="•"/>
-            </a:pPr>
-            <a:r>
-              <a:rPr lang="ko-KR" altLang="en-US" sz="1400" dirty="0" smtClean="0"/>
-              <a:t>알라딘이 제공하는 데이터를 통합하여</a:t>
-            </a:r>
-            <a:r>
-              <a:rPr lang="en-US" altLang="ko-KR" sz="1400" dirty="0" smtClean="0"/>
-              <a:t>, </a:t>
-            </a:r>
-            <a:r>
-              <a:rPr lang="ko-KR" altLang="en-US" sz="1400" dirty="0" smtClean="0"/>
-              <a:t>도서 데이터를 실시간으로 제공</a:t>
-            </a:r>
-            <a:endParaRPr lang="en-US" altLang="ko-KR" sz="1400" dirty="0" smtClean="0"/>
-          </a:p>
-          <a:p>
-            <a:pPr marL="285750" indent="-285750">
-              <a:lnSpc>
-                <a:spcPct val="150000"/>
-              </a:lnSpc>
-              <a:buFont typeface="Arial" panose="020B0604020202020204" pitchFamily="34" charset="0"/>
-              <a:buChar char="•"/>
-            </a:pPr>
-            <a:r>
-              <a:rPr lang="en-US" altLang="ko-KR" sz="1400" dirty="0" err="1" smtClean="0"/>
-              <a:t>Json</a:t>
-            </a:r>
-            <a:r>
-              <a:rPr lang="en-US" altLang="ko-KR" sz="1400" dirty="0" smtClean="0"/>
-              <a:t> </a:t>
-            </a:r>
-            <a:r>
-              <a:rPr lang="ko-KR" altLang="en-US" sz="1400" dirty="0" smtClean="0"/>
-              <a:t>타입으로 데이트를 제공 받아 사용</a:t>
-            </a:r>
-            <a:endParaRPr lang="en-US" altLang="ko-KR" sz="1400" dirty="0" smtClean="0"/>
-          </a:p>
-          <a:p>
-            <a:pPr marL="285750" indent="-285750">
-              <a:lnSpc>
-                <a:spcPct val="150000"/>
-              </a:lnSpc>
-              <a:buFont typeface="Arial" panose="020B0604020202020204" pitchFamily="34" charset="0"/>
-              <a:buChar char="•"/>
-            </a:pPr>
-            <a:r>
-              <a:rPr lang="ko-KR" altLang="en-US" sz="1400" dirty="0" smtClean="0"/>
-              <a:t>사용자는 </a:t>
-            </a:r>
-            <a:r>
-              <a:rPr lang="ko-KR" altLang="en-US" sz="1400" dirty="0" err="1" smtClean="0"/>
-              <a:t>최신도서</a:t>
-            </a:r>
-            <a:r>
-              <a:rPr lang="en-US" altLang="ko-KR" sz="1400" dirty="0" smtClean="0"/>
-              <a:t>, </a:t>
-            </a:r>
-            <a:r>
-              <a:rPr lang="ko-KR" altLang="en-US" sz="1400" dirty="0" smtClean="0"/>
-              <a:t>베스트셀러</a:t>
-            </a:r>
-            <a:r>
-              <a:rPr lang="en-US" altLang="ko-KR" sz="1400" dirty="0" smtClean="0"/>
-              <a:t>, </a:t>
-            </a:r>
-            <a:r>
-              <a:rPr lang="ko-KR" altLang="en-US" sz="1400" dirty="0" smtClean="0"/>
-              <a:t>상세 도서 정보 등을 쉽게 사용 가능</a:t>
-            </a:r>
-            <a:endParaRPr lang="en-US" altLang="ko-KR" sz="1400" dirty="0" smtClean="0"/>
-          </a:p>
-          <a:p>
-            <a:pPr marL="285750" indent="-285750">
-              <a:lnSpc>
-                <a:spcPct val="150000"/>
-              </a:lnSpc>
-              <a:buFont typeface="Arial" panose="020B0604020202020204" pitchFamily="34" charset="0"/>
-              <a:buChar char="•"/>
-            </a:pPr>
-            <a:r>
-              <a:rPr lang="ko-KR" altLang="en-US" sz="1400" dirty="0" smtClean="0"/>
-              <a:t>알라딘이 요청하는 변수</a:t>
-            </a:r>
-            <a:r>
-              <a:rPr lang="en-US" altLang="ko-KR" sz="1400" dirty="0" smtClean="0"/>
-              <a:t>(</a:t>
-            </a:r>
-            <a:r>
-              <a:rPr lang="en-US" altLang="ko-KR" sz="1400" dirty="0" err="1" smtClean="0"/>
-              <a:t>ItemId</a:t>
-            </a:r>
-            <a:r>
-              <a:rPr lang="en-US" altLang="ko-KR" sz="1400" dirty="0" smtClean="0"/>
-              <a:t>)</a:t>
-            </a:r>
-            <a:r>
-              <a:rPr lang="ko-KR" altLang="en-US" sz="1400" dirty="0" smtClean="0"/>
-              <a:t>를 기반으로 상세 정보 조회 가능</a:t>
-            </a:r>
-            <a:endParaRPr lang="en-US" altLang="ko-KR" sz="1400" dirty="0" smtClean="0"/>
-          </a:p>
-          <a:p>
-            <a:pPr marL="285750" indent="-285750">
-              <a:lnSpc>
-                <a:spcPct val="150000"/>
-              </a:lnSpc>
-              <a:buFont typeface="Arial" panose="020B0604020202020204" pitchFamily="34" charset="0"/>
-              <a:buChar char="•"/>
-            </a:pPr>
-            <a:r>
-              <a:rPr lang="ko-KR" altLang="en-US" sz="1400" dirty="0" smtClean="0"/>
-              <a:t>주간 베스트 셀러 리스트를 과거 기록까지 조회 가능하도록 구현</a:t>
-            </a:r>
-            <a:endParaRPr lang="ko-KR" altLang="en-US" sz="1400" dirty="0"/>
-          </a:p>
-        </p:txBody>
-      </p:sp>
     </p:spTree>
     <p:extLst>
       <p:ext uri="{BB962C8B-B14F-4D97-AF65-F5344CB8AC3E}">
@@ -9216,7 +9217,7 @@
 </p:sld>
 </file>
 
-<file path=ppt/slides/slide12.xml><?xml version="1.0" encoding="utf-8"?>
+<file path=ppt/slides/slide13.xml><?xml version="1.0" encoding="utf-8"?>
 <p:sld xmlns:a="http://schemas.openxmlformats.org/drawingml/2006/main" xmlns:r="http://schemas.openxmlformats.org/officeDocument/2006/relationships" xmlns:p="http://schemas.openxmlformats.org/presentationml/2006/main">
   <p:cSld>
     <p:spTree>
@@ -9337,7 +9338,7 @@
         <p:spPr>
           <a:xfrm>
             <a:off x="6268584" y="1567922"/>
-            <a:ext cx="5923416" cy="3000821"/>
+            <a:ext cx="5923416" cy="2959208"/>
           </a:xfrm>
           <a:prstGeom prst="rect">
             <a:avLst/>
@@ -9375,12 +9376,8 @@
               <a:buChar char="§"/>
             </a:pPr>
             <a:r>
-              <a:rPr lang="ko-KR" altLang="en-US" sz="1400" dirty="0" smtClean="0"/>
-              <a:t>로그인 된 </a:t>
-            </a:r>
-            <a:r>
               <a:rPr lang="ko-KR" altLang="en-US" sz="1400" dirty="0"/>
-              <a:t>사용자의 장바구니</a:t>
+              <a:t>로그인 된 사용자의 장바구니</a:t>
             </a:r>
             <a:r>
               <a:rPr lang="en-US" altLang="ko-KR" sz="1400" dirty="0"/>
@@ -9508,11 +9505,11 @@
             </a:r>
             <a:r>
               <a:rPr lang="ko-KR" altLang="en-US" sz="1400" dirty="0"/>
-              <a:t>버튼을 누르면 </a:t>
-            </a:r>
-            <a:r>
-              <a:rPr lang="ko-KR" altLang="en-US" sz="1400" dirty="0" smtClean="0"/>
-              <a:t>장바구니에 </a:t>
+              <a:t>버튼을 </a:t>
+            </a:r>
+            <a:r>
+              <a:rPr lang="ko-KR" altLang="en-US" sz="1400"/>
+              <a:t>누르면 장바구니에 </a:t>
             </a:r>
             <a:r>
               <a:rPr lang="ko-KR" altLang="en-US" sz="1400" dirty="0"/>
@@ -9732,7 +9729,7 @@
 </p:sld>
 </file>
 
-<file path=ppt/slides/slide13.xml><?xml version="1.0" encoding="utf-8"?>
+<file path=ppt/slides/slide14.xml><?xml version="1.0" encoding="utf-8"?>
 <p:sld xmlns:a="http://schemas.openxmlformats.org/drawingml/2006/main" xmlns:r="http://schemas.openxmlformats.org/officeDocument/2006/relationships" xmlns:p="http://schemas.openxmlformats.org/presentationml/2006/main">
   <p:cSld>
     <p:spTree>
@@ -9861,7 +9858,7 @@
         <p:spPr>
           <a:xfrm>
             <a:off x="6268584" y="1567922"/>
-            <a:ext cx="5923416" cy="1708160"/>
+            <a:ext cx="5923416" cy="1666546"/>
           </a:xfrm>
           <a:prstGeom prst="rect">
             <a:avLst/>
@@ -9882,8 +9879,12 @@
               <a:buChar char="§"/>
             </a:pPr>
             <a:r>
+              <a:rPr lang="ko-KR" altLang="en-US" sz="1400" b="1" dirty="0"/>
+              <a:t>장바구니에서 저장된 상품을 주문</a:t>
+            </a:r>
+            <a:r>
               <a:rPr lang="ko-KR" altLang="en-US" sz="1400" dirty="0"/>
-              <a:t>장바구니에서 저장된 상품을 주문하는 로직</a:t>
+              <a:t>하는 로직</a:t>
             </a:r>
             <a:endParaRPr lang="en-US" altLang="ko-KR" sz="1400" dirty="0"/>
           </a:p>
@@ -9938,46 +9939,21 @@
               <a:buChar char="§"/>
             </a:pPr>
             <a:r>
+              <a:rPr lang="en-US" altLang="ko-KR" sz="1400" b="1" dirty="0" err="1"/>
+              <a:t>PortOne</a:t>
+            </a:r>
+            <a:r>
+              <a:rPr lang="ko-KR" altLang="en-US" sz="1400" b="1" dirty="0"/>
+              <a:t> </a:t>
+            </a:r>
+            <a:r>
+              <a:rPr lang="en-US" altLang="ko-KR" sz="1400" b="1" dirty="0"/>
+              <a:t>API(NICE PAY)</a:t>
+            </a:r>
+            <a:r>
               <a:rPr lang="ko-KR" altLang="en-US" sz="1400" dirty="0"/>
-              <a:t>결제는 </a:t>
-            </a:r>
-            <a:r>
-              <a:rPr lang="ko-KR" altLang="en-US" sz="1400" dirty="0" err="1" smtClean="0"/>
-              <a:t>포트원</a:t>
-            </a:r>
-            <a:r>
-              <a:rPr lang="ko-KR" altLang="en-US" sz="1400" dirty="0" err="1"/>
-              <a:t>을</a:t>
-            </a:r>
-            <a:r>
-              <a:rPr lang="ko-KR" altLang="en-US" sz="1400" dirty="0" smtClean="0"/>
-              <a:t> </a:t>
-            </a:r>
-            <a:r>
-              <a:rPr lang="ko-KR" altLang="en-US" sz="1400" dirty="0"/>
-              <a:t>통해 </a:t>
-            </a:r>
-            <a:r>
-              <a:rPr lang="en-US" altLang="ko-KR" sz="1400" dirty="0"/>
-              <a:t>KG</a:t>
-            </a:r>
-            <a:r>
-              <a:rPr lang="ko-KR" altLang="en-US" sz="1400" dirty="0" err="1"/>
-              <a:t>이니시스</a:t>
-            </a:r>
-            <a:r>
-              <a:rPr lang="ko-KR" altLang="en-US" sz="1400" dirty="0"/>
-              <a:t> </a:t>
-            </a:r>
-            <a:r>
-              <a:rPr lang="en-US" altLang="ko-KR" sz="1400" dirty="0"/>
-              <a:t>API </a:t>
-            </a:r>
-            <a:r>
-              <a:rPr lang="ko-KR" altLang="en-US" sz="1400" dirty="0" smtClean="0"/>
-              <a:t>이용</a:t>
-            </a:r>
-            <a:endParaRPr lang="ko-KR" altLang="en-US" sz="1400" dirty="0"/>
+              <a:t>를 통한 결제 기능 구현</a:t>
+            </a:r>
           </a:p>
         </p:txBody>
       </p:sp>
@@ -10133,7 +10109,13 @@
       </p:pic>
       <p:pic>
         <p:nvPicPr>
-          <p:cNvPr id="3" name="그림 2"/>
+          <p:cNvPr id="6" name="그림 5">
+            <a:extLst>
+              <a:ext uri="{FF2B5EF4-FFF2-40B4-BE49-F238E27FC236}">
+                <a16:creationId xmlns:a16="http://schemas.microsoft.com/office/drawing/2014/main" id="{BE70B0DF-E4AB-BB29-4B49-FB9774E6229E}"/>
+              </a:ext>
+            </a:extLst>
+          </p:cNvPr>
           <p:cNvPicPr>
             <a:picLocks noChangeAspect="1"/>
           </p:cNvPicPr>
@@ -10147,89 +10129,12 @@
         </p:blipFill>
         <p:spPr>
           <a:xfrm>
-            <a:off x="7595970" y="3472499"/>
-            <a:ext cx="3919755" cy="2060902"/>
+            <a:off x="6480047" y="3570562"/>
+            <a:ext cx="3843666" cy="3060984"/>
           </a:xfrm>
           <a:prstGeom prst="rect">
             <a:avLst/>
           </a:prstGeom>
-          <a:ln>
-            <a:solidFill>
-              <a:schemeClr val="tx1">
-                <a:lumMod val="50000"/>
-                <a:lumOff val="50000"/>
-              </a:schemeClr>
-            </a:solidFill>
-          </a:ln>
-        </p:spPr>
-      </p:pic>
-      <p:sp>
-        <p:nvSpPr>
-          <p:cNvPr id="6" name="TextBox 5"/>
-          <p:cNvSpPr txBox="1"/>
-          <p:nvPr/>
-        </p:nvSpPr>
-        <p:spPr>
-          <a:xfrm>
-            <a:off x="6268584" y="6193813"/>
-            <a:ext cx="5532284" cy="307777"/>
-          </a:xfrm>
-          <a:prstGeom prst="rect">
-            <a:avLst/>
-          </a:prstGeom>
-          <a:noFill/>
-        </p:spPr>
-        <p:txBody>
-          <a:bodyPr wrap="none" rtlCol="0">
-            <a:spAutoFit/>
-          </a:bodyPr>
-          <a:lstStyle/>
-          <a:p>
-            <a:r>
-              <a:rPr lang="ko-KR" altLang="en-US" sz="1400" dirty="0" smtClean="0"/>
-              <a:t>사용자가 입력한 </a:t>
-            </a:r>
-            <a:r>
-              <a:rPr lang="ko-KR" altLang="en-US" sz="1400" dirty="0" err="1" smtClean="0"/>
-              <a:t>배송지</a:t>
-            </a:r>
-            <a:r>
-              <a:rPr lang="ko-KR" altLang="en-US" sz="1400" dirty="0" smtClean="0"/>
-              <a:t> 정보와 결제 정보가 주문 테이블에 저장됨</a:t>
-            </a:r>
-            <a:endParaRPr lang="ko-KR" altLang="en-US" sz="1400" dirty="0"/>
-          </a:p>
-        </p:txBody>
-      </p:sp>
-      <p:pic>
-        <p:nvPicPr>
-          <p:cNvPr id="12" name="그림 11"/>
-          <p:cNvPicPr>
-            <a:picLocks noChangeAspect="1"/>
-          </p:cNvPicPr>
-          <p:nvPr/>
-        </p:nvPicPr>
-        <p:blipFill rotWithShape="1">
-          <a:blip r:embed="rId7"/>
-          <a:srcRect r="596" b="24648"/>
-          <a:stretch/>
-        </p:blipFill>
-        <p:spPr>
-          <a:xfrm>
-            <a:off x="6058280" y="5608813"/>
-            <a:ext cx="5557838" cy="509588"/>
-          </a:xfrm>
-          <a:prstGeom prst="rect">
-            <a:avLst/>
-          </a:prstGeom>
-          <a:ln>
-            <a:solidFill>
-              <a:schemeClr val="tx1">
-                <a:lumMod val="50000"/>
-                <a:lumOff val="50000"/>
-              </a:schemeClr>
-            </a:solidFill>
-          </a:ln>
         </p:spPr>
       </p:pic>
     </p:spTree>
@@ -10245,7 +10150,7 @@
 </p:sld>
 </file>
 
-<file path=ppt/slides/slide14.xml><?xml version="1.0" encoding="utf-8"?>
+<file path=ppt/slides/slide15.xml><?xml version="1.0" encoding="utf-8"?>
 <p:sld xmlns:a="http://schemas.openxmlformats.org/drawingml/2006/main" xmlns:r="http://schemas.openxmlformats.org/officeDocument/2006/relationships" xmlns:p="http://schemas.openxmlformats.org/presentationml/2006/main">
   <p:cSld>
     <p:spTree>
@@ -10374,7 +10279,7 @@
         <p:spPr>
           <a:xfrm>
             <a:off x="5895834" y="1567922"/>
-            <a:ext cx="6296166" cy="1708160"/>
+            <a:ext cx="6296166" cy="1666546"/>
           </a:xfrm>
           <a:prstGeom prst="rect">
             <a:avLst/>
@@ -10396,15 +10301,7 @@
             </a:pPr>
             <a:r>
               <a:rPr lang="ko-KR" altLang="en-US" sz="1400" dirty="0"/>
-              <a:t>결제 </a:t>
-            </a:r>
-            <a:r>
-              <a:rPr lang="ko-KR" altLang="en-US" sz="1400" dirty="0" err="1"/>
-              <a:t>완료시</a:t>
-            </a:r>
-            <a:r>
-              <a:rPr lang="ko-KR" altLang="en-US" sz="1400" dirty="0"/>
-              <a:t> 주문 번호 생성</a:t>
+              <a:t>결제 완료 시 주문 번호 생성</a:t>
             </a:r>
             <a:endParaRPr lang="en-US" altLang="ko-KR" sz="1400" dirty="0"/>
           </a:p>
@@ -10418,15 +10315,7 @@
             </a:pPr>
             <a:r>
               <a:rPr lang="ko-KR" altLang="en-US" sz="1400" dirty="0"/>
-              <a:t>주문 내역에서 주문 번호 </a:t>
-            </a:r>
-            <a:r>
-              <a:rPr lang="ko-KR" altLang="en-US" sz="1400" dirty="0" err="1"/>
-              <a:t>클릭시</a:t>
-            </a:r>
-            <a:r>
-              <a:rPr lang="ko-KR" altLang="en-US" sz="1400" dirty="0"/>
-              <a:t> 상세 주문 내역 확인 가능</a:t>
+              <a:t>주문 내역에서 주문 번호 클릭 시 상세 주문 내역 확인 가능</a:t>
             </a:r>
             <a:endParaRPr lang="en-US" altLang="ko-KR" sz="1400" dirty="0"/>
           </a:p>
@@ -10440,15 +10329,7 @@
             </a:pPr>
             <a:r>
               <a:rPr lang="ko-KR" altLang="en-US" sz="1400" dirty="0"/>
-              <a:t>결제 </a:t>
-            </a:r>
-            <a:r>
-              <a:rPr lang="ko-KR" altLang="en-US" sz="1400" dirty="0" err="1"/>
-              <a:t>완료시</a:t>
-            </a:r>
-            <a:r>
-              <a:rPr lang="ko-KR" altLang="en-US" sz="1400" dirty="0"/>
-              <a:t> 장바구니 목록이 주문 내역에 반영되고 장바구니는 </a:t>
+              <a:t>결제 완료 시 장바구니 목록이 주문 내역에 반영되고 장바구니는 </a:t>
             </a:r>
             <a:r>
               <a:rPr lang="ko-KR" altLang="en-US" sz="1400" dirty="0" err="1"/>
@@ -10466,15 +10347,7 @@
             </a:pPr>
             <a:r>
               <a:rPr lang="ko-KR" altLang="en-US" sz="1400" dirty="0"/>
-              <a:t>삭제버튼 </a:t>
-            </a:r>
-            <a:r>
-              <a:rPr lang="ko-KR" altLang="en-US" sz="1400" dirty="0" err="1"/>
-              <a:t>클릭시</a:t>
-            </a:r>
-            <a:r>
-              <a:rPr lang="ko-KR" altLang="en-US" sz="1400" dirty="0"/>
-              <a:t> </a:t>
+              <a:t>삭제버튼 클릭 시 </a:t>
             </a:r>
             <a:r>
               <a:rPr lang="en-US" altLang="ko-KR" sz="1400" dirty="0" err="1"/>
@@ -10485,16 +10358,19 @@
               <a:t> 기반으로 주문 내역 삭제</a:t>
             </a:r>
             <a:r>
-              <a:rPr lang="en-US" altLang="ko-KR" sz="1400" dirty="0" smtClean="0"/>
-              <a:t>. </a:t>
-            </a:r>
-            <a:r>
-              <a:rPr lang="ko-KR" altLang="en-US" sz="1400" dirty="0" smtClean="0"/>
-              <a:t>주문 </a:t>
+              <a:rPr lang="en-US" altLang="ko-KR" sz="1400" dirty="0"/>
+              <a:t>.. </a:t>
             </a:r>
             <a:r>
               <a:rPr lang="ko-KR" altLang="en-US" sz="1400" dirty="0"/>
-              <a:t>상품 정보도 함께 삭제되도록 설계</a:t>
+              <a:t>주문 상품 정보도 </a:t>
+            </a:r>
+            <a:br>
+              <a:rPr lang="en-US" altLang="ko-KR" sz="1400" dirty="0"/>
+            </a:br>
+            <a:r>
+              <a:rPr lang="ko-KR" altLang="en-US" sz="1400" dirty="0"/>
+              <a:t>함께 삭제되도록 설계</a:t>
             </a:r>
             <a:endParaRPr lang="en-US" altLang="ko-KR" sz="1400" dirty="0"/>
           </a:p>
@@ -10613,116 +10489,6 @@
           </a:ln>
         </p:spPr>
       </p:pic>
-      <p:pic>
-        <p:nvPicPr>
-          <p:cNvPr id="3" name="그림 2"/>
-          <p:cNvPicPr>
-            <a:picLocks noChangeAspect="1"/>
-          </p:cNvPicPr>
-          <p:nvPr/>
-        </p:nvPicPr>
-        <p:blipFill>
-          <a:blip r:embed="rId5"/>
-          <a:stretch>
-            <a:fillRect/>
-          </a:stretch>
-        </p:blipFill>
-        <p:spPr>
-          <a:xfrm>
-            <a:off x="5895834" y="5032902"/>
-            <a:ext cx="3733800" cy="1009650"/>
-          </a:xfrm>
-          <a:prstGeom prst="rect">
-            <a:avLst/>
-          </a:prstGeom>
-        </p:spPr>
-      </p:pic>
-      <p:pic>
-        <p:nvPicPr>
-          <p:cNvPr id="7" name="그림 6"/>
-          <p:cNvPicPr>
-            <a:picLocks noChangeAspect="1"/>
-          </p:cNvPicPr>
-          <p:nvPr/>
-        </p:nvPicPr>
-        <p:blipFill>
-          <a:blip r:embed="rId6"/>
-          <a:stretch>
-            <a:fillRect/>
-          </a:stretch>
-        </p:blipFill>
-        <p:spPr>
-          <a:xfrm>
-            <a:off x="5895834" y="3588556"/>
-            <a:ext cx="3767137" cy="1288244"/>
-          </a:xfrm>
-          <a:prstGeom prst="rect">
-            <a:avLst/>
-          </a:prstGeom>
-        </p:spPr>
-      </p:pic>
-      <p:sp>
-        <p:nvSpPr>
-          <p:cNvPr id="11" name="TextBox 10"/>
-          <p:cNvSpPr txBox="1"/>
-          <p:nvPr/>
-        </p:nvSpPr>
-        <p:spPr>
-          <a:xfrm>
-            <a:off x="5895834" y="6198654"/>
-            <a:ext cx="5176417" cy="307777"/>
-          </a:xfrm>
-          <a:prstGeom prst="rect">
-            <a:avLst/>
-          </a:prstGeom>
-          <a:noFill/>
-        </p:spPr>
-        <p:txBody>
-          <a:bodyPr wrap="none" rtlCol="0">
-            <a:spAutoFit/>
-          </a:bodyPr>
-          <a:lstStyle/>
-          <a:p>
-            <a:r>
-              <a:rPr lang="ko-KR" altLang="en-US" sz="1400" dirty="0" smtClean="0"/>
-              <a:t>주문된 상품 리스트가 주문 번호</a:t>
-            </a:r>
-            <a:r>
-              <a:rPr lang="en-US" altLang="ko-KR" sz="1400" dirty="0" smtClean="0"/>
-              <a:t>(</a:t>
-            </a:r>
-            <a:r>
-              <a:rPr lang="ko-KR" altLang="en-US" sz="1400" dirty="0" smtClean="0"/>
-              <a:t>고유</a:t>
-            </a:r>
-            <a:r>
-              <a:rPr lang="en-US" altLang="ko-KR" sz="1400" dirty="0" err="1" smtClean="0"/>
-              <a:t>pk</a:t>
-            </a:r>
-            <a:r>
-              <a:rPr lang="ko-KR" altLang="en-US" sz="1400" dirty="0"/>
-              <a:t>값</a:t>
-            </a:r>
-            <a:r>
-              <a:rPr lang="en-US" altLang="ko-KR" sz="1400" dirty="0" smtClean="0"/>
-              <a:t>)</a:t>
-            </a:r>
-            <a:r>
-              <a:rPr lang="ko-KR" altLang="en-US" sz="1400" dirty="0" smtClean="0"/>
-              <a:t>을</a:t>
-            </a:r>
-            <a:r>
-              <a:rPr lang="en-US" altLang="ko-KR" sz="1400" dirty="0"/>
-              <a:t> </a:t>
-            </a:r>
-            <a:r>
-              <a:rPr lang="ko-KR" altLang="en-US" sz="1400" dirty="0" smtClean="0"/>
-              <a:t>기준으로 저장됨</a:t>
-            </a:r>
-            <a:endParaRPr lang="ko-KR" altLang="en-US" sz="1400" dirty="0"/>
-          </a:p>
-        </p:txBody>
-      </p:sp>
     </p:spTree>
     <p:extLst>
       <p:ext uri="{BB962C8B-B14F-4D97-AF65-F5344CB8AC3E}">
@@ -10736,7 +10502,7 @@
 </p:sld>
 </file>
 
-<file path=ppt/slides/slide15.xml><?xml version="1.0" encoding="utf-8"?>
+<file path=ppt/slides/slide16.xml><?xml version="1.0" encoding="utf-8"?>
 <p:sld xmlns:a="http://schemas.openxmlformats.org/drawingml/2006/main" xmlns:r="http://schemas.openxmlformats.org/officeDocument/2006/relationships" xmlns:p="http://schemas.openxmlformats.org/presentationml/2006/main">
   <p:cSld>
     <p:spTree>
@@ -10844,11 +10610,11 @@
       </p:sp>
       <p:pic>
         <p:nvPicPr>
-          <p:cNvPr id="3" name="온라인 미디어 2" title="nunubooks">
+          <p:cNvPr id="4" name="온라인 미디어 3" title="nunubooks Operation Guide">
             <a:hlinkClick r:id="" action="ppaction://media"/>
             <a:extLst>
               <a:ext uri="{FF2B5EF4-FFF2-40B4-BE49-F238E27FC236}">
-                <a16:creationId xmlns:a16="http://schemas.microsoft.com/office/drawing/2014/main" id="{6DFE85D4-68F4-8876-6AA8-1E717C57021A}"/>
+                <a16:creationId xmlns:a16="http://schemas.microsoft.com/office/drawing/2014/main" id="{CC64E904-AC93-C691-9723-3E0D087C369C}"/>
               </a:ext>
             </a:extLst>
           </p:cNvPr>
@@ -10860,21 +10626,26 @@
           </p:nvPr>
         </p:nvPicPr>
         <p:blipFill>
-          <a:blip r:embed="rId3">
-            <a:lum contrast="-1000"/>
-          </a:blip>
+          <a:blip r:embed="rId3"/>
           <a:stretch>
             <a:fillRect/>
           </a:stretch>
         </p:blipFill>
         <p:spPr>
           <a:xfrm>
-            <a:off x="1484243" y="1622063"/>
-            <a:ext cx="8586927" cy="4851625"/>
+            <a:off x="370279" y="1388829"/>
+            <a:ext cx="9350477" cy="5283032"/>
           </a:xfrm>
           <a:prstGeom prst="rect">
             <a:avLst/>
           </a:prstGeom>
+          <a:ln>
+            <a:solidFill>
+              <a:schemeClr val="bg1">
+                <a:lumMod val="65000"/>
+              </a:schemeClr>
+            </a:solidFill>
+          </a:ln>
         </p:spPr>
       </p:pic>
     </p:spTree>
@@ -10917,7 +10688,7 @@
                                       <p:cBhvr>
                                         <p:cTn id="6" dur="1" fill="hold"/>
                                         <p:tgtEl>
-                                          <p:spTgt spid="3"/>
+                                          <p:spTgt spid="4"/>
                                         </p:tgtEl>
                                       </p:cBhvr>
                                     </p:cmd>
@@ -10955,7 +10726,7 @@
                   </p:stCondLst>
                 </p:cTn>
                 <p:tgtEl>
-                  <p:spTgt spid="3"/>
+                  <p:spTgt spid="4"/>
                 </p:tgtEl>
               </p:cMediaNode>
             </p:video>
@@ -10964,7 +10735,7 @@
                 <p:stCondLst>
                   <p:cond evt="onClick" delay="0">
                     <p:tgtEl>
-                      <p:spTgt spid="3"/>
+                      <p:spTgt spid="4"/>
                     </p:tgtEl>
                   </p:cond>
                 </p:stCondLst>
@@ -10994,7 +10765,7 @@
                                       <p:cBhvr>
                                         <p:cTn id="12" dur="1" fill="hold"/>
                                         <p:tgtEl>
-                                          <p:spTgt spid="3"/>
+                                          <p:spTgt spid="4"/>
                                         </p:tgtEl>
                                       </p:cBhvr>
                                     </p:cmd>
@@ -11012,7 +10783,7 @@
               <p:nextCondLst>
                 <p:cond evt="onClick" delay="0">
                   <p:tgtEl>
-                    <p:spTgt spid="3"/>
+                    <p:spTgt spid="4"/>
                   </p:tgtEl>
                 </p:cond>
               </p:nextCondLst>
@@ -11022,6 +10793,951 @@
       </p:par>
     </p:tnLst>
   </p:timing>
+</p:sld>
+</file>
+
+<file path=ppt/slides/slide17.xml><?xml version="1.0" encoding="utf-8"?>
+<p:sld xmlns:a="http://schemas.openxmlformats.org/drawingml/2006/main" xmlns:r="http://schemas.openxmlformats.org/officeDocument/2006/relationships" xmlns:p="http://schemas.openxmlformats.org/presentationml/2006/main">
+  <p:cSld>
+    <p:spTree>
+      <p:nvGrpSpPr>
+        <p:cNvPr id="1" name="">
+          <a:extLst>
+            <a:ext uri="{FF2B5EF4-FFF2-40B4-BE49-F238E27FC236}">
+              <a16:creationId xmlns:a16="http://schemas.microsoft.com/office/drawing/2014/main" id="{61CD38DC-6C2D-F638-407D-D4D15A2B6952}"/>
+            </a:ext>
+          </a:extLst>
+        </p:cNvPr>
+        <p:cNvGrpSpPr/>
+        <p:nvPr/>
+      </p:nvGrpSpPr>
+      <p:grpSpPr>
+        <a:xfrm>
+          <a:off x="0" y="0"/>
+          <a:ext cx="0" cy="0"/>
+          <a:chOff x="0" y="0"/>
+          <a:chExt cx="0" cy="0"/>
+        </a:xfrm>
+      </p:grpSpPr>
+      <p:sp>
+        <p:nvSpPr>
+          <p:cNvPr id="2" name="TextBox 1">
+            <a:extLst>
+              <a:ext uri="{FF2B5EF4-FFF2-40B4-BE49-F238E27FC236}">
+                <a16:creationId xmlns:a16="http://schemas.microsoft.com/office/drawing/2014/main" id="{0E6525C7-666F-AC9C-15A4-C1BA0BACAB0E}"/>
+              </a:ext>
+            </a:extLst>
+          </p:cNvPr>
+          <p:cNvSpPr txBox="1"/>
+          <p:nvPr/>
+        </p:nvSpPr>
+        <p:spPr>
+          <a:xfrm>
+            <a:off x="9694536" y="186139"/>
+            <a:ext cx="2127185" cy="707886"/>
+          </a:xfrm>
+          <a:prstGeom prst="rect">
+            <a:avLst/>
+          </a:prstGeom>
+          <a:noFill/>
+        </p:spPr>
+        <p:txBody>
+          <a:bodyPr wrap="none" rtlCol="0">
+            <a:spAutoFit/>
+          </a:bodyPr>
+          <a:lstStyle/>
+          <a:p>
+            <a:r>
+              <a:rPr lang="en-US" altLang="ko-KR" sz="4000" b="1" i="1" dirty="0">
+                <a:solidFill>
+                  <a:schemeClr val="bg1">
+                    <a:lumMod val="85000"/>
+                  </a:schemeClr>
+                </a:solidFill>
+              </a:rPr>
+              <a:t>Learned</a:t>
+            </a:r>
+            <a:endParaRPr lang="ko-KR" altLang="en-US" sz="4000" b="1" i="1" dirty="0">
+              <a:solidFill>
+                <a:schemeClr val="bg1">
+                  <a:lumMod val="85000"/>
+                </a:schemeClr>
+              </a:solidFill>
+            </a:endParaRPr>
+          </a:p>
+        </p:txBody>
+      </p:sp>
+      <p:sp>
+        <p:nvSpPr>
+          <p:cNvPr id="5" name="TextBox 4">
+            <a:extLst>
+              <a:ext uri="{FF2B5EF4-FFF2-40B4-BE49-F238E27FC236}">
+                <a16:creationId xmlns:a16="http://schemas.microsoft.com/office/drawing/2014/main" id="{3C86D52B-AC74-2167-5B2A-FEB9F71628CF}"/>
+              </a:ext>
+            </a:extLst>
+          </p:cNvPr>
+          <p:cNvSpPr txBox="1"/>
+          <p:nvPr/>
+        </p:nvSpPr>
+        <p:spPr>
+          <a:xfrm>
+            <a:off x="370279" y="894025"/>
+            <a:ext cx="954107" cy="400110"/>
+          </a:xfrm>
+          <a:prstGeom prst="rect">
+            <a:avLst/>
+          </a:prstGeom>
+          <a:noFill/>
+        </p:spPr>
+        <p:txBody>
+          <a:bodyPr wrap="none" rtlCol="0">
+            <a:spAutoFit/>
+          </a:bodyPr>
+          <a:lstStyle/>
+          <a:p>
+            <a:r>
+              <a:rPr lang="ko-KR" altLang="en-US" sz="2000" b="1" dirty="0" err="1"/>
+              <a:t>느낀점</a:t>
+            </a:r>
+            <a:endParaRPr lang="ko-KR" altLang="en-US" sz="2000" b="1" dirty="0"/>
+          </a:p>
+        </p:txBody>
+      </p:sp>
+      <p:sp>
+        <p:nvSpPr>
+          <p:cNvPr id="6" name="TextBox 5">
+            <a:extLst>
+              <a:ext uri="{FF2B5EF4-FFF2-40B4-BE49-F238E27FC236}">
+                <a16:creationId xmlns:a16="http://schemas.microsoft.com/office/drawing/2014/main" id="{2280BA7B-29CD-0F5E-1AF1-4662963D5616}"/>
+              </a:ext>
+            </a:extLst>
+          </p:cNvPr>
+          <p:cNvSpPr txBox="1"/>
+          <p:nvPr/>
+        </p:nvSpPr>
+        <p:spPr>
+          <a:xfrm>
+            <a:off x="370279" y="1767006"/>
+            <a:ext cx="11269271" cy="4898200"/>
+          </a:xfrm>
+          <a:prstGeom prst="rect">
+            <a:avLst/>
+          </a:prstGeom>
+          <a:noFill/>
+        </p:spPr>
+        <p:txBody>
+          <a:bodyPr wrap="square" rtlCol="0">
+            <a:spAutoFit/>
+          </a:bodyPr>
+          <a:lstStyle/>
+          <a:p>
+            <a:pPr>
+              <a:lnSpc>
+                <a:spcPct val="150000"/>
+              </a:lnSpc>
+            </a:pPr>
+            <a:r>
+              <a:rPr lang="ko-KR" altLang="en-US" sz="1400" dirty="0"/>
+              <a:t>프로젝트를 시작할 때</a:t>
+            </a:r>
+            <a:r>
+              <a:rPr lang="en-US" altLang="ko-KR" sz="1400" dirty="0"/>
+              <a:t>, </a:t>
+            </a:r>
+            <a:r>
+              <a:rPr lang="ko-KR" altLang="en-US" sz="1400" dirty="0"/>
+              <a:t>이왕 만드는 거면 </a:t>
+            </a:r>
+            <a:r>
+              <a:rPr lang="ko-KR" altLang="en-US" sz="1400" b="1" dirty="0"/>
+              <a:t>내가 만들고 싶은 사이트</a:t>
+            </a:r>
+            <a:r>
+              <a:rPr lang="ko-KR" altLang="en-US" sz="1400" dirty="0"/>
+              <a:t>를 만드는 것이 중요하다고 생각했습니다</a:t>
+            </a:r>
+            <a:r>
+              <a:rPr lang="en-US" altLang="ko-KR" sz="1400" dirty="0"/>
+              <a:t>. </a:t>
+            </a:r>
+            <a:r>
+              <a:rPr lang="ko-KR" altLang="en-US" sz="1400" dirty="0"/>
+              <a:t>배운 개념들을 최대한 녹여서 완성도 높은 사이트를 구현하기 위해 기획</a:t>
+            </a:r>
+            <a:r>
+              <a:rPr lang="en-US" altLang="ko-KR" sz="1400" dirty="0"/>
+              <a:t>·</a:t>
+            </a:r>
+            <a:r>
+              <a:rPr lang="ko-KR" altLang="en-US" sz="1400" dirty="0"/>
+              <a:t>설계 단계에 많은 시간을 투자했으며</a:t>
+            </a:r>
+            <a:r>
+              <a:rPr lang="en-US" altLang="ko-KR" sz="1400" dirty="0"/>
+              <a:t>, </a:t>
+            </a:r>
+            <a:r>
+              <a:rPr lang="ko-KR" altLang="en-US" sz="1400" dirty="0"/>
+              <a:t>기능을 세세하게 나누어 설계해 둔 덕분에 실제 구현 과정은 비교적 수월하게 진행 할 수 있었고</a:t>
+            </a:r>
+            <a:r>
+              <a:rPr lang="en-US" altLang="ko-KR" sz="1400" dirty="0"/>
+              <a:t>, </a:t>
+            </a:r>
+            <a:r>
+              <a:rPr lang="ko-KR" altLang="en-US" sz="1400" dirty="0"/>
+              <a:t>부족한 부분도 더 보완하기 쉬웠습니다</a:t>
+            </a:r>
+            <a:r>
+              <a:rPr lang="en-US" altLang="ko-KR" sz="1400" dirty="0"/>
+              <a:t>.</a:t>
+            </a:r>
+          </a:p>
+          <a:p>
+            <a:pPr>
+              <a:lnSpc>
+                <a:spcPct val="150000"/>
+              </a:lnSpc>
+            </a:pPr>
+            <a:endParaRPr lang="en-US" altLang="ko-KR" sz="1400" dirty="0"/>
+          </a:p>
+          <a:p>
+            <a:pPr>
+              <a:lnSpc>
+                <a:spcPct val="150000"/>
+              </a:lnSpc>
+            </a:pPr>
+            <a:r>
+              <a:rPr lang="en-US" altLang="ko-KR" sz="1400" b="1" dirty="0"/>
+              <a:t>Spring Framework</a:t>
+            </a:r>
+            <a:r>
+              <a:rPr lang="ko-KR" altLang="en-US" sz="1400" b="1" dirty="0"/>
+              <a:t>의 모듈 간 연결과 흐름</a:t>
+            </a:r>
+            <a:r>
+              <a:rPr lang="ko-KR" altLang="en-US" sz="1400" dirty="0"/>
+              <a:t>에 대한 이해가 부족했지만</a:t>
+            </a:r>
+            <a:r>
+              <a:rPr lang="en-US" altLang="ko-KR" sz="1400" dirty="0"/>
+              <a:t>, </a:t>
+            </a:r>
+            <a:r>
+              <a:rPr lang="ko-KR" altLang="en-US" sz="1400" dirty="0"/>
+              <a:t>프로젝트를 진행하면서 특정 기능을 구현하기 위해 어떤 부분을 활용해야 하는지 직접 배우고 익힐 수 있었습니다</a:t>
+            </a:r>
+            <a:r>
+              <a:rPr lang="en-US" altLang="ko-KR" sz="1400" dirty="0"/>
+              <a:t>.</a:t>
+            </a:r>
+          </a:p>
+          <a:p>
+            <a:pPr>
+              <a:lnSpc>
+                <a:spcPct val="150000"/>
+              </a:lnSpc>
+            </a:pPr>
+            <a:endParaRPr lang="en-US" altLang="ko-KR" sz="1400" dirty="0"/>
+          </a:p>
+          <a:p>
+            <a:pPr>
+              <a:lnSpc>
+                <a:spcPct val="150000"/>
+              </a:lnSpc>
+            </a:pPr>
+            <a:r>
+              <a:rPr lang="ko-KR" altLang="en-US" sz="1400" dirty="0"/>
+              <a:t>그리고</a:t>
+            </a:r>
+            <a:r>
+              <a:rPr lang="en-US" altLang="ko-KR" sz="1400" dirty="0"/>
+              <a:t>, </a:t>
+            </a:r>
+            <a:r>
+              <a:rPr lang="ko-KR" altLang="en-US" sz="1400" b="1" dirty="0"/>
+              <a:t>로그인 상태 유지</a:t>
+            </a:r>
+            <a:r>
+              <a:rPr lang="en-US" altLang="ko-KR" sz="1400" b="1" dirty="0"/>
+              <a:t>(Session)</a:t>
+            </a:r>
+            <a:r>
+              <a:rPr lang="ko-KR" altLang="en-US" sz="1400" b="1" dirty="0"/>
+              <a:t>와 비밀번호 </a:t>
+            </a:r>
+            <a:r>
+              <a:rPr lang="ko-KR" altLang="en-US" sz="1400" b="1" dirty="0" err="1"/>
+              <a:t>해싱</a:t>
+            </a:r>
+            <a:r>
+              <a:rPr lang="en-US" altLang="ko-KR" sz="1400" b="1" dirty="0"/>
+              <a:t>(SHA-256) </a:t>
+            </a:r>
+            <a:r>
+              <a:rPr lang="ko-KR" altLang="en-US" sz="1400" b="1" dirty="0"/>
+              <a:t>기능을 적용</a:t>
+            </a:r>
+            <a:r>
+              <a:rPr lang="ko-KR" altLang="en-US" sz="1400" dirty="0"/>
+              <a:t>하면서</a:t>
+            </a:r>
+            <a:r>
+              <a:rPr lang="en-US" altLang="ko-KR" sz="1400" dirty="0"/>
+              <a:t>, </a:t>
+            </a:r>
+            <a:r>
+              <a:rPr lang="ko-KR" altLang="en-US" sz="1400" dirty="0"/>
+              <a:t>이러한 기술들이 실제로 사용자의 정보 보호와 서비스 안정성에 어떤 역할을 하는지</a:t>
+            </a:r>
+            <a:r>
+              <a:rPr lang="en-US" altLang="ko-KR" sz="1400" dirty="0"/>
+              <a:t>, </a:t>
+            </a:r>
+            <a:r>
+              <a:rPr lang="ko-KR" altLang="en-US" sz="1400" dirty="0"/>
+              <a:t>사이트의 이용을 얼마나 간편하게 만들어 주는 지 체감할 수 있었습니다</a:t>
+            </a:r>
+            <a:r>
+              <a:rPr lang="en-US" altLang="ko-KR" sz="1400" dirty="0"/>
+              <a:t>. </a:t>
+            </a:r>
+          </a:p>
+          <a:p>
+            <a:pPr>
+              <a:lnSpc>
+                <a:spcPct val="150000"/>
+              </a:lnSpc>
+            </a:pPr>
+            <a:endParaRPr lang="en-US" altLang="ko-KR" sz="1400" dirty="0"/>
+          </a:p>
+          <a:p>
+            <a:pPr>
+              <a:lnSpc>
+                <a:spcPct val="150000"/>
+              </a:lnSpc>
+            </a:pPr>
+            <a:r>
+              <a:rPr lang="ko-KR" altLang="en-US" sz="1400" dirty="0"/>
+              <a:t>또한</a:t>
+            </a:r>
+            <a:r>
+              <a:rPr lang="en-US" altLang="ko-KR" sz="1400" dirty="0"/>
+              <a:t>, </a:t>
+            </a:r>
+            <a:r>
+              <a:rPr lang="ko-KR" altLang="en-US" sz="1400" b="1" dirty="0"/>
+              <a:t>외부 </a:t>
+            </a:r>
+            <a:r>
+              <a:rPr lang="en-US" altLang="ko-KR" sz="1400" b="1" dirty="0"/>
+              <a:t>API </a:t>
+            </a:r>
+            <a:r>
+              <a:rPr lang="ko-KR" altLang="en-US" sz="1400" b="1" dirty="0"/>
+              <a:t>연동 경험</a:t>
+            </a:r>
+            <a:r>
+              <a:rPr lang="ko-KR" altLang="en-US" sz="1400" dirty="0"/>
+              <a:t>도</a:t>
+            </a:r>
+            <a:r>
+              <a:rPr lang="ko-KR" altLang="en-US" sz="1400" b="1" dirty="0"/>
+              <a:t> </a:t>
+            </a:r>
+            <a:r>
+              <a:rPr lang="ko-KR" altLang="en-US" sz="1400" dirty="0"/>
+              <a:t>쌓았습니다</a:t>
+            </a:r>
+            <a:r>
+              <a:rPr lang="en-US" altLang="ko-KR" sz="1400" dirty="0"/>
+              <a:t>. </a:t>
+            </a:r>
+            <a:r>
+              <a:rPr lang="ko-KR" altLang="en-US" sz="1400" dirty="0"/>
+              <a:t>특히 </a:t>
+            </a:r>
+            <a:r>
+              <a:rPr lang="ko-KR" altLang="en-US" sz="1400" b="1" dirty="0"/>
+              <a:t>알라딘 </a:t>
+            </a:r>
+            <a:r>
+              <a:rPr lang="en-US" altLang="ko-KR" sz="1400" b="1" dirty="0"/>
+              <a:t>Open API</a:t>
+            </a:r>
+            <a:r>
+              <a:rPr lang="ko-KR" altLang="en-US" sz="1400" dirty="0"/>
+              <a:t>를 활용한 데이터 처리 과정에서는 </a:t>
+            </a:r>
+            <a:r>
+              <a:rPr lang="en-US" altLang="ko-KR" sz="1400" dirty="0"/>
+              <a:t>Spring </a:t>
+            </a:r>
+            <a:r>
+              <a:rPr lang="en-US" altLang="ko-KR" sz="1400" dirty="0" err="1"/>
+              <a:t>WebClient</a:t>
+            </a:r>
+            <a:r>
+              <a:rPr lang="ko-KR" altLang="en-US" sz="1400" dirty="0"/>
+              <a:t>와 </a:t>
+            </a:r>
+            <a:r>
+              <a:rPr lang="en-US" altLang="ko-KR" sz="1400" dirty="0"/>
+              <a:t>Mono</a:t>
+            </a:r>
+            <a:r>
+              <a:rPr lang="ko-KR" altLang="en-US" sz="1400" dirty="0"/>
+              <a:t>를 사용해 </a:t>
+            </a:r>
+            <a:br>
+              <a:rPr lang="en-US" altLang="ko-KR" sz="1400" dirty="0"/>
+            </a:br>
+            <a:r>
+              <a:rPr lang="ko-KR" altLang="en-US" sz="1400" dirty="0"/>
+              <a:t>비동기 요청을 처리했습니다</a:t>
+            </a:r>
+            <a:r>
+              <a:rPr lang="en-US" altLang="ko-KR" sz="1400" dirty="0"/>
+              <a:t>. </a:t>
+            </a:r>
+            <a:r>
+              <a:rPr lang="en-US" altLang="ko-KR" sz="1400" dirty="0" err="1"/>
+              <a:t>WebClient</a:t>
+            </a:r>
+            <a:r>
+              <a:rPr lang="ko-KR" altLang="en-US" sz="1400" dirty="0"/>
+              <a:t>는 </a:t>
+            </a:r>
+            <a:r>
+              <a:rPr lang="en-US" altLang="ko-KR" sz="1400" dirty="0" err="1"/>
+              <a:t>RestTemplate</a:t>
+            </a:r>
+            <a:r>
+              <a:rPr lang="ko-KR" altLang="en-US" sz="1400" dirty="0"/>
+              <a:t>과 달리 </a:t>
+            </a:r>
+            <a:r>
+              <a:rPr lang="ko-KR" altLang="en-US" sz="1400" dirty="0" err="1"/>
+              <a:t>논블로킹</a:t>
+            </a:r>
+            <a:r>
+              <a:rPr lang="ko-KR" altLang="en-US" sz="1400" dirty="0"/>
+              <a:t> 비동기 방식이므로 서버 자원을 효율적으로 사용할 수 있었고</a:t>
+            </a:r>
+            <a:r>
+              <a:rPr lang="en-US" altLang="ko-KR" sz="1400" dirty="0"/>
+              <a:t>, API</a:t>
+            </a:r>
+            <a:r>
+              <a:rPr lang="ko-KR" altLang="en-US" sz="1400" dirty="0"/>
+              <a:t>가 단일 객체를 반환하기 때문에 </a:t>
+            </a:r>
+            <a:r>
+              <a:rPr lang="en-US" altLang="ko-KR" sz="1400" dirty="0"/>
+              <a:t>Flux </a:t>
+            </a:r>
+            <a:r>
+              <a:rPr lang="ko-KR" altLang="en-US" sz="1400" dirty="0"/>
+              <a:t>대신 </a:t>
+            </a:r>
+            <a:r>
+              <a:rPr lang="en-US" altLang="ko-KR" sz="1400" dirty="0"/>
+              <a:t>Mono</a:t>
+            </a:r>
+            <a:r>
+              <a:rPr lang="ko-KR" altLang="en-US" sz="1400" dirty="0"/>
+              <a:t>를 채택했습니다</a:t>
+            </a:r>
+            <a:r>
+              <a:rPr lang="en-US" altLang="ko-KR" sz="1400" dirty="0"/>
+              <a:t>. </a:t>
+            </a:r>
+            <a:r>
+              <a:rPr lang="ko-KR" altLang="en-US" sz="1400" dirty="0"/>
+              <a:t>최종적으로는 </a:t>
+            </a:r>
+            <a:r>
+              <a:rPr lang="en-US" altLang="ko-KR" sz="1400" dirty="0"/>
+              <a:t>block()</a:t>
+            </a:r>
+            <a:r>
+              <a:rPr lang="ko-KR" altLang="en-US" sz="1400" dirty="0"/>
+              <a:t>을 사용해 동기적으로 결과를 받아보면서 </a:t>
+            </a:r>
+            <a:br>
+              <a:rPr lang="en-US" altLang="ko-KR" sz="1400" dirty="0"/>
+            </a:br>
+            <a:r>
+              <a:rPr lang="ko-KR" altLang="en-US" sz="1400" dirty="0"/>
+              <a:t>비동기 처리의 장점과 동기 방식의 단순한 사용성을 모두 경험할 수 있었습니다</a:t>
+            </a:r>
+            <a:r>
+              <a:rPr lang="en-US" altLang="ko-KR" sz="1400" dirty="0"/>
+              <a:t>. </a:t>
+            </a:r>
+            <a:r>
+              <a:rPr lang="ko-KR" altLang="en-US" sz="1400" dirty="0"/>
+              <a:t>결제 </a:t>
+            </a:r>
+            <a:r>
+              <a:rPr lang="en-US" altLang="ko-KR" sz="1400" dirty="0"/>
+              <a:t>API</a:t>
+            </a:r>
+            <a:r>
+              <a:rPr lang="ko-KR" altLang="en-US" sz="1400" dirty="0"/>
+              <a:t>를 처음 연동하면서는</a:t>
+            </a:r>
+            <a:r>
+              <a:rPr lang="en-US" altLang="ko-KR" sz="1400" dirty="0"/>
+              <a:t>, </a:t>
+            </a:r>
+            <a:r>
+              <a:rPr lang="ko-KR" altLang="en-US" sz="1400" dirty="0"/>
+              <a:t>다양한 외부 </a:t>
+            </a:r>
+            <a:r>
+              <a:rPr lang="en-US" altLang="ko-KR" sz="1400" dirty="0"/>
+              <a:t>API</a:t>
+            </a:r>
+            <a:r>
+              <a:rPr lang="ko-KR" altLang="en-US" sz="1400" dirty="0"/>
+              <a:t>를 실제 프로젝트에 적용할 때 요청 흐름 관리의 어려움을 직접 경험했습니다</a:t>
+            </a:r>
+            <a:r>
+              <a:rPr lang="en-US" altLang="ko-KR" sz="1400" dirty="0"/>
+              <a:t>.</a:t>
+            </a:r>
+          </a:p>
+        </p:txBody>
+      </p:sp>
+    </p:spTree>
+    <p:extLst>
+      <p:ext uri="{BB962C8B-B14F-4D97-AF65-F5344CB8AC3E}">
+        <p14:creationId xmlns:p14="http://schemas.microsoft.com/office/powerpoint/2010/main" val="1662079911"/>
+      </p:ext>
+    </p:extLst>
+  </p:cSld>
+  <p:clrMapOvr>
+    <a:masterClrMapping/>
+  </p:clrMapOvr>
+</p:sld>
+</file>
+
+<file path=ppt/slides/slide18.xml><?xml version="1.0" encoding="utf-8"?>
+<p:sld xmlns:a="http://schemas.openxmlformats.org/drawingml/2006/main" xmlns:r="http://schemas.openxmlformats.org/officeDocument/2006/relationships" xmlns:p="http://schemas.openxmlformats.org/presentationml/2006/main">
+  <p:cSld>
+    <p:spTree>
+      <p:nvGrpSpPr>
+        <p:cNvPr id="1" name="">
+          <a:extLst>
+            <a:ext uri="{FF2B5EF4-FFF2-40B4-BE49-F238E27FC236}">
+              <a16:creationId xmlns:a16="http://schemas.microsoft.com/office/drawing/2014/main" id="{F26A60F0-0320-49C9-F58D-A816CC875406}"/>
+            </a:ext>
+          </a:extLst>
+        </p:cNvPr>
+        <p:cNvGrpSpPr/>
+        <p:nvPr/>
+      </p:nvGrpSpPr>
+      <p:grpSpPr>
+        <a:xfrm>
+          <a:off x="0" y="0"/>
+          <a:ext cx="0" cy="0"/>
+          <a:chOff x="0" y="0"/>
+          <a:chExt cx="0" cy="0"/>
+        </a:xfrm>
+      </p:grpSpPr>
+      <p:sp>
+        <p:nvSpPr>
+          <p:cNvPr id="2" name="TextBox 1">
+            <a:extLst>
+              <a:ext uri="{FF2B5EF4-FFF2-40B4-BE49-F238E27FC236}">
+                <a16:creationId xmlns:a16="http://schemas.microsoft.com/office/drawing/2014/main" id="{3AE6DFEF-E2A8-CC2F-CF45-11E9AFF8D0EA}"/>
+              </a:ext>
+            </a:extLst>
+          </p:cNvPr>
+          <p:cNvSpPr txBox="1"/>
+          <p:nvPr/>
+        </p:nvSpPr>
+        <p:spPr>
+          <a:xfrm>
+            <a:off x="7746972" y="186139"/>
+            <a:ext cx="4221092" cy="707886"/>
+          </a:xfrm>
+          <a:prstGeom prst="rect">
+            <a:avLst/>
+          </a:prstGeom>
+          <a:noFill/>
+        </p:spPr>
+        <p:txBody>
+          <a:bodyPr wrap="none" rtlCol="0">
+            <a:spAutoFit/>
+          </a:bodyPr>
+          <a:lstStyle/>
+          <a:p>
+            <a:r>
+              <a:rPr lang="en-US" altLang="ko-KR" sz="4000" b="1" i="1" dirty="0" err="1">
+                <a:solidFill>
+                  <a:schemeClr val="bg1">
+                    <a:lumMod val="85000"/>
+                  </a:schemeClr>
+                </a:solidFill>
+              </a:rPr>
+              <a:t>TroubleShooting</a:t>
+            </a:r>
+            <a:endParaRPr lang="ko-KR" altLang="en-US" sz="4000" b="1" i="1" dirty="0">
+              <a:solidFill>
+                <a:schemeClr val="bg1">
+                  <a:lumMod val="85000"/>
+                </a:schemeClr>
+              </a:solidFill>
+            </a:endParaRPr>
+          </a:p>
+        </p:txBody>
+      </p:sp>
+      <p:sp>
+        <p:nvSpPr>
+          <p:cNvPr id="5" name="TextBox 4">
+            <a:extLst>
+              <a:ext uri="{FF2B5EF4-FFF2-40B4-BE49-F238E27FC236}">
+                <a16:creationId xmlns:a16="http://schemas.microsoft.com/office/drawing/2014/main" id="{79939B8D-21C2-0F6C-F06A-20B7A6686ADB}"/>
+              </a:ext>
+            </a:extLst>
+          </p:cNvPr>
+          <p:cNvSpPr txBox="1"/>
+          <p:nvPr/>
+        </p:nvSpPr>
+        <p:spPr>
+          <a:xfrm>
+            <a:off x="370279" y="894025"/>
+            <a:ext cx="1467068" cy="400110"/>
+          </a:xfrm>
+          <a:prstGeom prst="rect">
+            <a:avLst/>
+          </a:prstGeom>
+          <a:noFill/>
+        </p:spPr>
+        <p:txBody>
+          <a:bodyPr wrap="none" rtlCol="0">
+            <a:spAutoFit/>
+          </a:bodyPr>
+          <a:lstStyle/>
+          <a:p>
+            <a:r>
+              <a:rPr lang="ko-KR" altLang="en-US" sz="2000" b="1" dirty="0"/>
+              <a:t>트러블슈팅</a:t>
+            </a:r>
+          </a:p>
+        </p:txBody>
+      </p:sp>
+      <p:sp>
+        <p:nvSpPr>
+          <p:cNvPr id="7" name="TextBox 6">
+            <a:extLst>
+              <a:ext uri="{FF2B5EF4-FFF2-40B4-BE49-F238E27FC236}">
+                <a16:creationId xmlns:a16="http://schemas.microsoft.com/office/drawing/2014/main" id="{2ADED864-E948-EBBD-97EF-D1466B2B974B}"/>
+              </a:ext>
+            </a:extLst>
+          </p:cNvPr>
+          <p:cNvSpPr txBox="1"/>
+          <p:nvPr/>
+        </p:nvSpPr>
+        <p:spPr>
+          <a:xfrm>
+            <a:off x="370278" y="1762453"/>
+            <a:ext cx="11269271" cy="4575035"/>
+          </a:xfrm>
+          <a:prstGeom prst="rect">
+            <a:avLst/>
+          </a:prstGeom>
+          <a:noFill/>
+        </p:spPr>
+        <p:txBody>
+          <a:bodyPr wrap="square" rtlCol="0">
+            <a:spAutoFit/>
+          </a:bodyPr>
+          <a:lstStyle/>
+          <a:p>
+            <a:pPr marL="285750" indent="-285750">
+              <a:lnSpc>
+                <a:spcPct val="150000"/>
+              </a:lnSpc>
+              <a:buFont typeface="Wingdings" panose="05000000000000000000" pitchFamily="2" charset="2"/>
+              <a:buChar char="§"/>
+            </a:pPr>
+            <a:r>
+              <a:rPr lang="en-US" altLang="ko-KR" sz="1400" b="1" dirty="0"/>
+              <a:t>Pagination </a:t>
+            </a:r>
+            <a:r>
+              <a:rPr lang="ko-KR" altLang="en-US" sz="1400" b="1" dirty="0"/>
+              <a:t>오류</a:t>
+            </a:r>
+            <a:br>
+              <a:rPr lang="en-US" altLang="ko-KR" sz="1400" b="1" dirty="0"/>
+            </a:br>
+            <a:r>
+              <a:rPr lang="ko-KR" altLang="en-US" sz="1400" dirty="0"/>
+              <a:t>검색 결과 </a:t>
+            </a:r>
+            <a:r>
+              <a:rPr lang="ko-KR" altLang="en-US" sz="1400" dirty="0" err="1"/>
+              <a:t>페이지네이션</a:t>
+            </a:r>
+            <a:r>
+              <a:rPr lang="ko-KR" altLang="en-US" sz="1400" dirty="0"/>
+              <a:t> 생성 중</a:t>
+            </a:r>
+            <a:r>
+              <a:rPr lang="en-US" altLang="ko-KR" sz="1400" dirty="0"/>
+              <a:t>, </a:t>
+            </a:r>
+            <a:r>
+              <a:rPr lang="ko-KR" altLang="en-US" sz="1400" dirty="0" err="1"/>
+              <a:t>페이지네이션</a:t>
+            </a:r>
+            <a:r>
+              <a:rPr lang="ko-KR" altLang="en-US" sz="1400" dirty="0"/>
+              <a:t> 버튼은 표시되지만 목록은 변하지 않는 문제가 발생했습니다</a:t>
+            </a:r>
+            <a:r>
+              <a:rPr lang="en-US" altLang="ko-KR" sz="1400" dirty="0"/>
+              <a:t>. </a:t>
+            </a:r>
+            <a:r>
+              <a:rPr lang="ko-KR" altLang="en-US" sz="1400" dirty="0"/>
+              <a:t>이는 알라딘 </a:t>
+            </a:r>
+            <a:r>
+              <a:rPr lang="en-US" altLang="ko-KR" sz="1400" dirty="0"/>
+              <a:t>API</a:t>
+            </a:r>
+            <a:r>
+              <a:rPr lang="ko-KR" altLang="en-US" sz="1400" dirty="0"/>
+              <a:t>가 페이지 번호가 아닌 인덱스 기반으로 데이터를 요청한다는 점을 충분히 이해하지 못하고 구현한 로직 때문이었습니다</a:t>
+            </a:r>
+            <a:r>
+              <a:rPr lang="en-US" altLang="ko-KR" sz="1400" dirty="0"/>
+              <a:t>. </a:t>
+            </a:r>
+            <a:r>
+              <a:rPr lang="ko-KR" altLang="en-US" sz="1400" dirty="0"/>
+              <a:t>문제를 분석한 후</a:t>
+            </a:r>
+            <a:r>
+              <a:rPr lang="en-US" altLang="ko-KR" sz="1400" dirty="0"/>
+              <a:t>, </a:t>
+            </a:r>
+            <a:r>
+              <a:rPr lang="ko-KR" altLang="en-US" sz="1400" dirty="0" err="1"/>
+              <a:t>페이지네이션의</a:t>
+            </a:r>
+            <a:r>
+              <a:rPr lang="ko-KR" altLang="en-US" sz="1400" dirty="0"/>
+              <a:t> 시작을 계산하는 방식 대신 </a:t>
+            </a:r>
+            <a:r>
+              <a:rPr lang="en-US" altLang="ko-KR" sz="1400" dirty="0"/>
+              <a:t>API</a:t>
+            </a:r>
+            <a:r>
+              <a:rPr lang="ko-KR" altLang="en-US" sz="1400" dirty="0"/>
+              <a:t>에서 제공하는 데이터를 그대로 활용하도록 변경하여 정상적으로 </a:t>
+            </a:r>
+            <a:r>
+              <a:rPr lang="ko-KR" altLang="en-US" sz="1400" dirty="0" err="1"/>
+              <a:t>페이지네이션을</a:t>
+            </a:r>
+            <a:r>
+              <a:rPr lang="ko-KR" altLang="en-US" sz="1400" dirty="0"/>
+              <a:t> 구현할 수 있었습니다</a:t>
+            </a:r>
+            <a:r>
+              <a:rPr lang="en-US" altLang="ko-KR" sz="1400" dirty="0"/>
+              <a:t>.</a:t>
+            </a:r>
+          </a:p>
+          <a:p>
+            <a:pPr marL="285750" indent="-285750">
+              <a:lnSpc>
+                <a:spcPct val="150000"/>
+              </a:lnSpc>
+              <a:buFont typeface="Wingdings" panose="05000000000000000000" pitchFamily="2" charset="2"/>
+              <a:buChar char="§"/>
+            </a:pPr>
+            <a:r>
+              <a:rPr lang="ko-KR" altLang="en-US" sz="1400" b="1" dirty="0"/>
+              <a:t>결제 </a:t>
+            </a:r>
+            <a:r>
+              <a:rPr lang="en-US" altLang="ko-KR" sz="1400" b="1" dirty="0"/>
+              <a:t>API </a:t>
+            </a:r>
+            <a:r>
+              <a:rPr lang="ko-KR" altLang="en-US" sz="1400" b="1" dirty="0"/>
+              <a:t>연동</a:t>
+            </a:r>
+            <a:br>
+              <a:rPr lang="en-US" altLang="ko-KR" sz="1400" b="1" dirty="0"/>
+            </a:br>
+            <a:r>
+              <a:rPr lang="ko-KR" altLang="en-US" sz="1400" dirty="0"/>
+              <a:t>결제 </a:t>
+            </a:r>
+            <a:r>
+              <a:rPr lang="en-US" altLang="ko-KR" sz="1400" dirty="0"/>
+              <a:t>API </a:t>
+            </a:r>
+            <a:r>
+              <a:rPr lang="ko-KR" altLang="en-US" sz="1400" dirty="0"/>
+              <a:t>매뉴얼이 다양하고 기본 사용법을 충분히 숙지하지 못한 상태에서 적용하다 보니</a:t>
+            </a:r>
+            <a:r>
+              <a:rPr lang="en-US" altLang="ko-KR" sz="1400" dirty="0"/>
+              <a:t>, </a:t>
+            </a:r>
+            <a:r>
+              <a:rPr lang="ko-KR" altLang="en-US" sz="1400" dirty="0"/>
+              <a:t>기존 선택한 결제 방식에 필요한 데이터가 </a:t>
+            </a:r>
+            <a:r>
+              <a:rPr lang="en-US" altLang="ko-KR" sz="1400" dirty="0"/>
+              <a:t>API</a:t>
+            </a:r>
+            <a:r>
+              <a:rPr lang="ko-KR" altLang="en-US" sz="1400" dirty="0"/>
+              <a:t>와 맞지 않는 문제가 발생했습니다</a:t>
+            </a:r>
+            <a:r>
+              <a:rPr lang="en-US" altLang="ko-KR" sz="1400" dirty="0"/>
+              <a:t>. </a:t>
+            </a:r>
+            <a:r>
+              <a:rPr lang="ko-KR" altLang="en-US" sz="1400" dirty="0"/>
+              <a:t>이를 해결하기 위해 결제 방식을 </a:t>
+            </a:r>
+            <a:r>
+              <a:rPr lang="en-US" altLang="ko-KR" sz="1400" dirty="0"/>
+              <a:t>NICEPAY</a:t>
+            </a:r>
+            <a:r>
+              <a:rPr lang="ko-KR" altLang="en-US" sz="1400" dirty="0"/>
+              <a:t>로 변경하고</a:t>
+            </a:r>
+            <a:r>
+              <a:rPr lang="en-US" altLang="ko-KR" sz="1400" dirty="0"/>
+              <a:t>, </a:t>
+            </a:r>
+            <a:r>
+              <a:rPr lang="ko-KR" altLang="en-US" sz="1400" dirty="0"/>
+              <a:t>데이터 흐름과 로직을 체계적으로 정리하여 안정적으로 연동할 수 있었습니다</a:t>
+            </a:r>
+            <a:r>
+              <a:rPr lang="en-US" altLang="ko-KR" sz="1400" dirty="0"/>
+              <a:t>. </a:t>
+            </a:r>
+            <a:r>
+              <a:rPr lang="ko-KR" altLang="en-US" sz="1400" dirty="0"/>
+              <a:t>이 과정을 통해 외부 </a:t>
+            </a:r>
+            <a:r>
+              <a:rPr lang="en-US" altLang="ko-KR" sz="1400" dirty="0"/>
+              <a:t>API</a:t>
+            </a:r>
+            <a:r>
+              <a:rPr lang="ko-KR" altLang="en-US" sz="1400" dirty="0"/>
+              <a:t>를 사용할 때 데이터 흐름을 명확히 설계하는 중요성을 배웠습니다</a:t>
+            </a:r>
+            <a:r>
+              <a:rPr lang="en-US" altLang="ko-KR" sz="1400" dirty="0"/>
+              <a:t>.</a:t>
+            </a:r>
+          </a:p>
+          <a:p>
+            <a:pPr marL="285750" indent="-285750">
+              <a:lnSpc>
+                <a:spcPct val="150000"/>
+              </a:lnSpc>
+              <a:buFont typeface="Wingdings" panose="05000000000000000000" pitchFamily="2" charset="2"/>
+              <a:buChar char="§"/>
+            </a:pPr>
+            <a:endParaRPr lang="en-US" altLang="ko-KR" sz="1400" dirty="0"/>
+          </a:p>
+          <a:p>
+            <a:pPr marL="285750" indent="-285750">
+              <a:lnSpc>
+                <a:spcPct val="150000"/>
+              </a:lnSpc>
+              <a:buFont typeface="Wingdings" panose="05000000000000000000" pitchFamily="2" charset="2"/>
+              <a:buChar char="§"/>
+            </a:pPr>
+            <a:r>
+              <a:rPr lang="ko-KR" altLang="en-US" sz="1400" b="1" dirty="0"/>
+              <a:t>주간 베스트셀러 조회 오류</a:t>
+            </a:r>
+            <a:r>
+              <a:rPr lang="en-US" altLang="ko-KR" sz="1400" b="1" dirty="0"/>
+              <a:t>:</a:t>
+            </a:r>
+            <a:br>
+              <a:rPr lang="en-US" altLang="ko-KR" sz="1400" b="1" dirty="0"/>
+            </a:br>
+            <a:r>
+              <a:rPr lang="ko-KR" altLang="en-US" sz="1400" dirty="0"/>
+              <a:t>조회 기준 매월 첫째 주 데이터를 요청할 때</a:t>
+            </a:r>
+            <a:r>
+              <a:rPr lang="en-US" altLang="ko-KR" sz="1400" dirty="0"/>
+              <a:t>, API</a:t>
+            </a:r>
+            <a:r>
+              <a:rPr lang="ko-KR" altLang="en-US" sz="1400" dirty="0"/>
+              <a:t>가 이를 </a:t>
+            </a:r>
+            <a:r>
+              <a:rPr lang="en-US" altLang="ko-KR" sz="1400" dirty="0"/>
+              <a:t>0</a:t>
+            </a:r>
+            <a:r>
+              <a:rPr lang="ko-KR" altLang="en-US" sz="1400" dirty="0"/>
+              <a:t>주차로 인식하여 조회가 불가능한 문제가 있었습니다</a:t>
+            </a:r>
+            <a:r>
+              <a:rPr lang="en-US" altLang="ko-KR" sz="1400" dirty="0"/>
+              <a:t>. API </a:t>
+            </a:r>
+            <a:r>
+              <a:rPr lang="ko-KR" altLang="en-US" sz="1400" dirty="0"/>
+              <a:t>문서만으로는 정확한 처리가 어려워 실제 호출 테스트를 병행하며 주차 계산 로직을 보정했습니다</a:t>
+            </a:r>
+            <a:r>
+              <a:rPr lang="en-US" altLang="ko-KR" sz="1400" dirty="0"/>
+              <a:t>. </a:t>
+            </a:r>
+            <a:r>
+              <a:rPr lang="ko-KR" altLang="en-US" sz="1400" dirty="0"/>
+              <a:t>이를 통해 문서에만 의존하지 않고 테스트를 통해 문제를 검증하는 습관이 필요함을 </a:t>
+            </a:r>
+            <a:r>
+              <a:rPr lang="ko-KR" altLang="en-US" sz="1400" dirty="0" err="1"/>
+              <a:t>깨달았습니다</a:t>
+            </a:r>
+            <a:r>
+              <a:rPr lang="en-US" altLang="ko-KR" sz="1400" dirty="0"/>
+              <a:t>.</a:t>
+            </a:r>
+          </a:p>
+        </p:txBody>
+      </p:sp>
+    </p:spTree>
+    <p:extLst>
+      <p:ext uri="{BB962C8B-B14F-4D97-AF65-F5344CB8AC3E}">
+        <p14:creationId xmlns:p14="http://schemas.microsoft.com/office/powerpoint/2010/main" val="4011435577"/>
+      </p:ext>
+    </p:extLst>
+  </p:cSld>
+  <p:clrMapOvr>
+    <a:masterClrMapping/>
+  </p:clrMapOvr>
 </p:sld>
 </file>
 
@@ -11600,11 +12316,7 @@
             </a:pPr>
             <a:r>
               <a:rPr lang="ko-KR" altLang="en-US" sz="1600" dirty="0"/>
-              <a:t>도서 사이트는 이미 안정적으로 대중화가 </a:t>
-            </a:r>
-            <a:r>
-              <a:rPr lang="ko-KR" altLang="en-US" sz="1600" dirty="0" err="1"/>
-              <a:t>되어있이며</a:t>
+              <a:t>도서 사이트는 이미 안정적으로 대중화가 되어  있으며</a:t>
             </a:r>
             <a:r>
               <a:rPr lang="en-US" altLang="ko-KR" sz="1600" dirty="0"/>
@@ -11778,7 +12490,7 @@
           <a:blip r:embed="rId2">
             <a:extLst>
               <a:ext uri="{96DAC541-7B7A-43D3-8B79-37D633B846F1}">
-                <asvg:svgBlip xmlns:asvg="http://schemas.microsoft.com/office/drawing/2016/SVG/main" xmlns="" r:embed="rId3"/>
+                <asvg:svgBlip xmlns:asvg="http://schemas.microsoft.com/office/drawing/2016/SVG/main" r:embed="rId3"/>
               </a:ext>
             </a:extLst>
           </a:blip>
@@ -11811,7 +12523,7 @@
         <p:spPr>
           <a:xfrm>
             <a:off x="1205723" y="1163813"/>
-            <a:ext cx="1432702" cy="400110"/>
+            <a:ext cx="1126660" cy="400110"/>
           </a:xfrm>
           <a:prstGeom prst="rect">
             <a:avLst/>
@@ -11857,7 +12569,7 @@
           <a:blip r:embed="rId4">
             <a:extLst>
               <a:ext uri="{96DAC541-7B7A-43D3-8B79-37D633B846F1}">
-                <asvg:svgBlip xmlns:asvg="http://schemas.microsoft.com/office/drawing/2016/SVG/main" xmlns="" r:embed="rId5"/>
+                <asvg:svgBlip xmlns:asvg="http://schemas.microsoft.com/office/drawing/2016/SVG/main" r:embed="rId5"/>
               </a:ext>
             </a:extLst>
           </a:blip>
@@ -11889,7 +12601,7 @@
         <p:spPr>
           <a:xfrm>
             <a:off x="1205722" y="2628179"/>
-            <a:ext cx="1584369" cy="400110"/>
+            <a:ext cx="1245929" cy="400110"/>
           </a:xfrm>
           <a:prstGeom prst="rect">
             <a:avLst/>
@@ -11935,7 +12647,7 @@
           <a:blip r:embed="rId6">
             <a:extLst>
               <a:ext uri="{96DAC541-7B7A-43D3-8B79-37D633B846F1}">
-                <asvg:svgBlip xmlns:asvg="http://schemas.microsoft.com/office/drawing/2016/SVG/main" xmlns="" r:embed="rId7"/>
+                <asvg:svgBlip xmlns:asvg="http://schemas.microsoft.com/office/drawing/2016/SVG/main" r:embed="rId7"/>
               </a:ext>
             </a:extLst>
           </a:blip>
@@ -11967,7 +12679,7 @@
         <p:spPr>
           <a:xfrm>
             <a:off x="1205723" y="4053894"/>
-            <a:ext cx="1432702" cy="400110"/>
+            <a:ext cx="1126660" cy="400110"/>
           </a:xfrm>
           <a:prstGeom prst="rect">
             <a:avLst/>
@@ -12012,7 +12724,7 @@
           <a:blip r:embed="rId8">
             <a:extLst>
               <a:ext uri="{96DAC541-7B7A-43D3-8B79-37D633B846F1}">
-                <asvg:svgBlip xmlns:asvg="http://schemas.microsoft.com/office/drawing/2016/SVG/main" xmlns="" r:embed="rId9"/>
+                <asvg:svgBlip xmlns:asvg="http://schemas.microsoft.com/office/drawing/2016/SVG/main" r:embed="rId9"/>
               </a:ext>
             </a:extLst>
           </a:blip>
@@ -12044,7 +12756,7 @@
         <p:spPr>
           <a:xfrm>
             <a:off x="1205722" y="5536699"/>
-            <a:ext cx="1432702" cy="400110"/>
+            <a:ext cx="1126660" cy="400110"/>
           </a:xfrm>
           <a:prstGeom prst="rect">
             <a:avLst/>
@@ -13197,8 +13909,8 @@
         </p:nvSpPr>
         <p:spPr>
           <a:xfrm>
-            <a:off x="313364" y="1163782"/>
-            <a:ext cx="4711996" cy="369332"/>
+            <a:off x="313364" y="893785"/>
+            <a:ext cx="5215210" cy="400110"/>
           </a:xfrm>
           <a:prstGeom prst="rect">
             <a:avLst/>
@@ -13212,23 +13924,23 @@
           <a:lstStyle/>
           <a:p>
             <a:r>
-              <a:rPr lang="en-US" altLang="ko-KR" b="1" dirty="0"/>
+              <a:rPr lang="en-US" altLang="ko-KR" sz="2000" b="1" dirty="0"/>
               <a:t>Google </a:t>
             </a:r>
             <a:r>
-              <a:rPr lang="en-US" altLang="ko-KR" b="1" dirty="0" err="1"/>
+              <a:rPr lang="en-US" altLang="ko-KR" sz="2000" b="1" dirty="0" err="1"/>
               <a:t>SpreadSheets</a:t>
             </a:r>
             <a:r>
-              <a:rPr lang="ko-KR" altLang="en-US" b="1" dirty="0"/>
+              <a:rPr lang="ko-KR" altLang="en-US" sz="2000" b="1" dirty="0"/>
               <a:t>를 사용하여 </a:t>
             </a:r>
             <a:r>
-              <a:rPr lang="en-US" altLang="ko-KR" b="1" dirty="0"/>
+              <a:rPr lang="en-US" altLang="ko-KR" sz="2000" b="1" dirty="0"/>
               <a:t>DB </a:t>
             </a:r>
             <a:r>
-              <a:rPr lang="ko-KR" altLang="en-US" b="1" dirty="0"/>
+              <a:rPr lang="ko-KR" altLang="en-US" sz="2000" b="1" dirty="0"/>
               <a:t>설계</a:t>
             </a:r>
           </a:p>
@@ -13325,7 +14037,7 @@
         <p:spPr>
           <a:xfrm>
             <a:off x="6237085" y="1719152"/>
-            <a:ext cx="5461752" cy="523220"/>
+            <a:ext cx="5461752" cy="697050"/>
           </a:xfrm>
           <a:prstGeom prst="rect">
             <a:avLst/>
@@ -13339,6 +14051,9 @@
           <a:lstStyle/>
           <a:p>
             <a:pPr marL="285750" indent="-285750">
+              <a:lnSpc>
+                <a:spcPct val="150000"/>
+              </a:lnSpc>
               <a:buFont typeface="Arial" panose="020B0604020202020204" pitchFamily="34" charset="0"/>
               <a:buChar char="•"/>
             </a:pPr>
@@ -13350,20 +14065,15 @@
           </a:p>
           <a:p>
             <a:pPr marL="285750" indent="-285750">
+              <a:lnSpc>
+                <a:spcPct val="150000"/>
+              </a:lnSpc>
               <a:buFont typeface="Arial" panose="020B0604020202020204" pitchFamily="34" charset="0"/>
               <a:buChar char="•"/>
             </a:pPr>
             <a:r>
               <a:rPr lang="ko-KR" altLang="en-US" sz="1400" b="1" dirty="0"/>
-              <a:t>여러 개의 값을 받아서 </a:t>
-            </a:r>
-            <a:r>
-              <a:rPr lang="ko-KR" altLang="en-US" sz="1400" b="1" dirty="0" smtClean="0"/>
-              <a:t>저장해야 하는 </a:t>
-            </a:r>
-            <a:r>
-              <a:rPr lang="ko-KR" altLang="en-US" sz="1400" b="1" dirty="0"/>
-              <a:t>테이블은 분리하여 설계</a:t>
+              <a:t>여러 개의 값을 받아서 저장해야 하는 테이블은 분리하여 설계</a:t>
             </a:r>
           </a:p>
         </p:txBody>
@@ -13407,7 +14117,7 @@
                 <a:hlinkClick r:id="rId5">
                   <a:extLst>
                     <a:ext uri="{A12FA001-AC4F-418D-AE19-62706E023703}">
-                      <ahyp:hlinkClr xmlns:ahyp="http://schemas.microsoft.com/office/drawing/2018/hyperlinkcolor" xmlns="" val="tx"/>
+                      <ahyp:hlinkClr xmlns:ahyp="http://schemas.microsoft.com/office/drawing/2018/hyperlinkcolor" val="tx"/>
                     </a:ext>
                   </a:extLst>
                 </a:hlinkClick>
@@ -13523,8 +14233,8 @@
         </p:nvSpPr>
         <p:spPr>
           <a:xfrm>
-            <a:off x="313364" y="1163782"/>
-            <a:ext cx="4830618" cy="369332"/>
+            <a:off x="313364" y="893785"/>
+            <a:ext cx="5348259" cy="400110"/>
           </a:xfrm>
           <a:prstGeom prst="rect">
             <a:avLst/>
@@ -13538,23 +14248,23 @@
           <a:lstStyle/>
           <a:p>
             <a:r>
-              <a:rPr lang="en-US" altLang="ko-KR" b="1" dirty="0"/>
+              <a:rPr lang="en-US" altLang="ko-KR" sz="2000" b="1" dirty="0"/>
               <a:t>Google </a:t>
             </a:r>
             <a:r>
-              <a:rPr lang="en-US" altLang="ko-KR" b="1" dirty="0" err="1"/>
+              <a:rPr lang="en-US" altLang="ko-KR" sz="2000" b="1" dirty="0" err="1"/>
               <a:t>SpreadSheets</a:t>
             </a:r>
             <a:r>
-              <a:rPr lang="ko-KR" altLang="en-US" b="1" dirty="0"/>
+              <a:rPr lang="ko-KR" altLang="en-US" sz="2000" b="1" dirty="0"/>
               <a:t>를 사용하여 </a:t>
             </a:r>
             <a:r>
-              <a:rPr lang="en-US" altLang="ko-KR" b="1" dirty="0"/>
+              <a:rPr lang="en-US" altLang="ko-KR" sz="2000" b="1" dirty="0"/>
               <a:t>URL </a:t>
             </a:r>
             <a:r>
-              <a:rPr lang="ko-KR" altLang="en-US" b="1" dirty="0"/>
+              <a:rPr lang="ko-KR" altLang="en-US" sz="2000" b="1" dirty="0"/>
               <a:t>설계</a:t>
             </a:r>
           </a:p>
@@ -13726,7 +14436,7 @@
         <p:spPr>
           <a:xfrm>
             <a:off x="6876025" y="1630496"/>
-            <a:ext cx="4787401" cy="738664"/>
+            <a:ext cx="4775666" cy="1020216"/>
           </a:xfrm>
           <a:prstGeom prst="rect">
             <a:avLst/>
@@ -13740,6 +14450,9 @@
           <a:lstStyle/>
           <a:p>
             <a:pPr marL="285750" indent="-285750">
+              <a:lnSpc>
+                <a:spcPct val="150000"/>
+              </a:lnSpc>
               <a:buFont typeface="Arial" panose="020B0604020202020204" pitchFamily="34" charset="0"/>
               <a:buChar char="•"/>
             </a:pPr>
@@ -13748,8 +14461,12 @@
               <a:t>화면을 </a:t>
             </a:r>
             <a:r>
-              <a:rPr lang="ko-KR" altLang="en-US" sz="1400" b="1" dirty="0" smtClean="0"/>
-              <a:t>보여줘야 하는 </a:t>
+              <a:rPr lang="ko-KR" altLang="en-US" sz="1400" b="1" dirty="0" err="1"/>
+              <a:t>보여줘야하는</a:t>
+            </a:r>
+            <a:r>
+              <a:rPr lang="ko-KR" altLang="en-US" sz="1400" b="1" dirty="0"/>
+              <a:t> </a:t>
             </a:r>
             <a:r>
               <a:rPr lang="en-US" altLang="ko-KR" sz="1400" b="1" dirty="0"/>
@@ -13763,6 +14480,9 @@
           </a:p>
           <a:p>
             <a:pPr marL="285750" indent="-285750">
+              <a:lnSpc>
+                <a:spcPct val="150000"/>
+              </a:lnSpc>
               <a:buFont typeface="Arial" panose="020B0604020202020204" pitchFamily="34" charset="0"/>
               <a:buChar char="•"/>
             </a:pPr>
@@ -13782,6 +14502,9 @@
           </a:p>
           <a:p>
             <a:pPr marL="285750" indent="-285750">
+              <a:lnSpc>
+                <a:spcPct val="150000"/>
+              </a:lnSpc>
               <a:buFont typeface="Arial" panose="020B0604020202020204" pitchFamily="34" charset="0"/>
               <a:buChar char="•"/>
             </a:pPr>
@@ -13848,7 +14571,7 @@
                 <a:hlinkClick r:id="rId7">
                   <a:extLst>
                     <a:ext uri="{A12FA001-AC4F-418D-AE19-62706E023703}">
-                      <ahyp:hlinkClr xmlns:ahyp="http://schemas.microsoft.com/office/drawing/2018/hyperlinkcolor" xmlns="" val="tx"/>
+                      <ahyp:hlinkClr xmlns:ahyp="http://schemas.microsoft.com/office/drawing/2018/hyperlinkcolor" val="tx"/>
                     </a:ext>
                   </a:extLst>
                 </a:hlinkClick>
@@ -14268,8 +14991,8 @@
         </p:nvSpPr>
         <p:spPr>
           <a:xfrm>
-            <a:off x="350310" y="1234604"/>
-            <a:ext cx="4378122" cy="369332"/>
+            <a:off x="367735" y="834494"/>
+            <a:ext cx="4876656" cy="400110"/>
           </a:xfrm>
           <a:prstGeom prst="rect">
             <a:avLst/>
@@ -14283,11 +15006,11 @@
           <a:lstStyle/>
           <a:p>
             <a:r>
-              <a:rPr lang="en-US" altLang="ko-KR" b="1" dirty="0"/>
+              <a:rPr lang="en-US" altLang="ko-KR" sz="2000" b="1" dirty="0"/>
               <a:t>Figma</a:t>
             </a:r>
             <a:r>
-              <a:rPr lang="ko-KR" altLang="en-US" b="1" dirty="0"/>
+              <a:rPr lang="ko-KR" altLang="en-US" sz="2000" b="1" dirty="0"/>
               <a:t>를 사용하여 사이트의 디자인 구상</a:t>
             </a:r>
           </a:p>
@@ -14332,7 +15055,7 @@
                 <a:hlinkClick r:id="rId11">
                   <a:extLst>
                     <a:ext uri="{A12FA001-AC4F-418D-AE19-62706E023703}">
-                      <ahyp:hlinkClr xmlns:ahyp="http://schemas.microsoft.com/office/drawing/2018/hyperlinkcolor" xmlns="" val="tx"/>
+                      <ahyp:hlinkClr xmlns:ahyp="http://schemas.microsoft.com/office/drawing/2018/hyperlinkcolor" val="tx"/>
                     </a:ext>
                   </a:extLst>
                 </a:hlinkClick>
@@ -14350,7 +15073,7 @@
                 <a:hlinkClick r:id="rId11">
                   <a:extLst>
                     <a:ext uri="{A12FA001-AC4F-418D-AE19-62706E023703}">
-                      <ahyp:hlinkClr xmlns:ahyp="http://schemas.microsoft.com/office/drawing/2018/hyperlinkcolor" xmlns="" val="tx"/>
+                      <ahyp:hlinkClr xmlns:ahyp="http://schemas.microsoft.com/office/drawing/2018/hyperlinkcolor" val="tx"/>
                     </a:ext>
                   </a:extLst>
                 </a:hlinkClick>
@@ -14468,7 +15191,7 @@
         </p:blipFill>
         <p:spPr>
           <a:xfrm>
-            <a:off x="251009" y="1563756"/>
+            <a:off x="251009" y="1737177"/>
             <a:ext cx="6026809" cy="4400219"/>
           </a:xfrm>
           <a:prstGeom prst="rect">
@@ -14541,7 +15264,7 @@
         </p:blipFill>
         <p:spPr>
           <a:xfrm>
-            <a:off x="6787892" y="4139356"/>
+            <a:off x="6910723" y="4312777"/>
             <a:ext cx="4723817" cy="1824619"/>
           </a:xfrm>
           <a:prstGeom prst="rect">
@@ -14572,7 +15295,7 @@
         <p:spPr>
           <a:xfrm>
             <a:off x="6910723" y="1464395"/>
-            <a:ext cx="5148829" cy="1666546"/>
+            <a:ext cx="5148829" cy="2636043"/>
           </a:xfrm>
           <a:prstGeom prst="rect">
             <a:avLst/>
@@ -14593,8 +15316,16 @@
               <a:buChar char="§"/>
             </a:pPr>
             <a:r>
+              <a:rPr lang="ko-KR" altLang="en-US" sz="1400" b="1" dirty="0"/>
+              <a:t>중복 아이디 점증 </a:t>
+            </a:r>
+            <a:r>
+              <a:rPr lang="en-US" altLang="ko-KR" sz="1400" b="1" dirty="0"/>
+              <a:t>: </a:t>
+            </a:r>
+            <a:r>
               <a:rPr lang="ko-KR" altLang="en-US" sz="1400" dirty="0"/>
-              <a:t>기존회원정보를 기준으로 중복된 아이디의 가입 방지</a:t>
+              <a:t>기존 회원 정보를 기준으로 중복 아이디의 가입 방지</a:t>
             </a:r>
             <a:endParaRPr lang="en-US" altLang="ko-KR" sz="1400" dirty="0"/>
           </a:p>
@@ -14607,8 +15338,12 @@
               <a:buChar char="§"/>
             </a:pPr>
             <a:r>
-              <a:rPr lang="ko-KR" altLang="en-US" sz="1400" dirty="0"/>
-              <a:t>유효한 이메일로 가입하도록 </a:t>
+              <a:rPr lang="ko-KR" altLang="en-US" sz="1400" b="1" dirty="0"/>
+              <a:t>이메일 유효성 점증 </a:t>
+            </a:r>
+            <a:r>
+              <a:rPr lang="en-US" altLang="ko-KR" sz="1400" b="1" dirty="0"/>
+              <a:t>: </a:t>
             </a:r>
             <a:r>
               <a:rPr lang="en-US" altLang="ko-KR" sz="1400" dirty="0"/>
@@ -14616,7 +15351,7 @@
             </a:r>
             <a:r>
               <a:rPr lang="ko-KR" altLang="en-US" sz="1400" dirty="0"/>
-              <a:t>형식의 이메일 기입</a:t>
+              <a:t>입력 방식을 통해 유효한 이메일만 가입 허용</a:t>
             </a:r>
             <a:endParaRPr lang="en-US" altLang="ko-KR" sz="1400" dirty="0"/>
           </a:p>
@@ -14629,28 +15364,20 @@
               <a:buChar char="§"/>
             </a:pPr>
             <a:r>
-              <a:rPr lang="ko-KR" altLang="en-US" sz="1400" dirty="0"/>
-              <a:t>사용자의 정보 유출을 방지하고</a:t>
-            </a:r>
-            <a:r>
-              <a:rPr lang="en-US" altLang="ko-KR" sz="1400" dirty="0"/>
-              <a:t>,</a:t>
-            </a:r>
-            <a:r>
-              <a:rPr lang="ko-KR" altLang="en-US" sz="1400" dirty="0"/>
-              <a:t> 원래 데이터로 전환 할 수 없도록 </a:t>
-            </a:r>
-            <a:r>
               <a:rPr lang="en-US" altLang="ko-KR" sz="1400" b="1" dirty="0"/>
               <a:t>SHA256 Hashing</a:t>
             </a:r>
             <a:r>
               <a:rPr lang="ko-KR" altLang="en-US" sz="1400" b="1" dirty="0"/>
-              <a:t> </a:t>
+              <a:t> 적용 </a:t>
+            </a:r>
+            <a:r>
+              <a:rPr lang="en-US" altLang="ko-KR" sz="1400" b="1" dirty="0"/>
+              <a:t>: </a:t>
             </a:r>
             <a:r>
               <a:rPr lang="ko-KR" altLang="en-US" sz="1400" dirty="0"/>
-              <a:t>방식을 통해 암호화</a:t>
+              <a:t>비밀번호를 저장 시 단방향 암호화 하여 저장 후 복호화 불가능하게 설정하여 보안 강화</a:t>
             </a:r>
             <a:endParaRPr lang="en-US" altLang="ko-KR" sz="1400" dirty="0"/>
           </a:p>
@@ -14663,12 +15390,24 @@
               <a:buChar char="§"/>
             </a:pPr>
             <a:r>
+              <a:rPr lang="en-US" altLang="ko-KR" sz="1400" b="1" dirty="0"/>
+              <a:t>Daum Postcode Service API</a:t>
+            </a:r>
+            <a:r>
               <a:rPr lang="en-US" altLang="ko-KR" sz="1400" dirty="0"/>
-              <a:t>Daum Postcode Service API </a:t>
+              <a:t> </a:t>
             </a:r>
             <a:r>
               <a:rPr lang="ko-KR" altLang="en-US" sz="1400" dirty="0"/>
-              <a:t>를 통한 간편한 주소기입</a:t>
+              <a:t>연동 </a:t>
+            </a:r>
+            <a:r>
+              <a:rPr lang="en-US" altLang="ko-KR" sz="1400" dirty="0"/>
+              <a:t>: </a:t>
+            </a:r>
+            <a:r>
+              <a:rPr lang="ko-KR" altLang="en-US" sz="1400" dirty="0"/>
+              <a:t>간편한 주소 검색 및 입력 지원</a:t>
             </a:r>
           </a:p>
         </p:txBody>
@@ -14806,8 +15545,8 @@
         </p:nvSpPr>
         <p:spPr>
           <a:xfrm>
-            <a:off x="6074621" y="1729068"/>
-            <a:ext cx="6117379" cy="1384995"/>
+            <a:off x="6074620" y="1571678"/>
+            <a:ext cx="5984933" cy="1989712"/>
           </a:xfrm>
           <a:prstGeom prst="rect">
             <a:avLst/>
@@ -14824,12 +15563,12 @@
               <a:lnSpc>
                 <a:spcPct val="150000"/>
               </a:lnSpc>
-              <a:buFont typeface="Arial" panose="020B0604020202020204" pitchFamily="34" charset="0"/>
-              <a:buChar char="•"/>
+              <a:buFont typeface="Wingdings" panose="05000000000000000000" pitchFamily="2" charset="2"/>
+              <a:buChar char="§"/>
             </a:pPr>
             <a:r>
               <a:rPr lang="ko-KR" altLang="en-US" sz="1400" dirty="0"/>
-              <a:t>사용자가 입력한 정보와 데이터가 일치하면 로그인</a:t>
+              <a:t>사용자가 입력한 정보와 저장된 데이터가 일치하면 로그인</a:t>
             </a:r>
             <a:endParaRPr lang="en-US" altLang="ko-KR" sz="1400" dirty="0"/>
           </a:p>
@@ -14838,36 +15577,48 @@
               <a:lnSpc>
                 <a:spcPct val="150000"/>
               </a:lnSpc>
-              <a:buFont typeface="Arial" panose="020B0604020202020204" pitchFamily="34" charset="0"/>
-              <a:buChar char="•"/>
+              <a:buFont typeface="Wingdings" panose="05000000000000000000" pitchFamily="2" charset="2"/>
+              <a:buChar char="§"/>
             </a:pPr>
+            <a:r>
+              <a:rPr lang="en-US" altLang="ko-KR" sz="1400" b="1" dirty="0"/>
+              <a:t>Session </a:t>
+            </a:r>
+            <a:r>
+              <a:rPr lang="ko-KR" altLang="en-US" sz="1400" b="1" dirty="0"/>
+              <a:t>처리 </a:t>
+            </a:r>
+            <a:r>
+              <a:rPr lang="en-US" altLang="ko-KR" sz="1400" b="1" dirty="0"/>
+              <a:t>: </a:t>
+            </a:r>
             <a:r>
               <a:rPr lang="ko-KR" altLang="en-US" sz="1400" dirty="0"/>
               <a:t>로그인과 동시에 </a:t>
             </a:r>
             <a:r>
-              <a:rPr lang="en-US" altLang="ko-KR" sz="1400" b="1" dirty="0"/>
-              <a:t>HTTP</a:t>
+              <a:rPr lang="en-US" altLang="ko-KR" sz="1400" dirty="0"/>
+              <a:t>Session </a:t>
+            </a:r>
+            <a:r>
+              <a:rPr lang="ko-KR" altLang="en-US" sz="1400" dirty="0"/>
+              <a:t>처리하여</a:t>
+            </a:r>
+            <a:r>
+              <a:rPr lang="en-US" altLang="ko-KR" sz="1400" dirty="0"/>
+              <a:t> HTTP</a:t>
+            </a:r>
+            <a:r>
+              <a:rPr lang="ko-KR" altLang="en-US" sz="1400" dirty="0"/>
+              <a:t>의 비상태성을 극복하여</a:t>
             </a:r>
             <a:r>
               <a:rPr lang="ko-KR" altLang="en-US" sz="1400" b="1" dirty="0"/>
-              <a:t>의 비상태성을 극복하기 위해 </a:t>
-            </a:r>
-            <a:r>
-              <a:rPr lang="en-US" altLang="ko-KR" sz="1400" b="1" dirty="0"/>
-              <a:t>Session </a:t>
-            </a:r>
-            <a:r>
-              <a:rPr lang="ko-KR" altLang="en-US" sz="1400" b="1" dirty="0" smtClean="0"/>
-              <a:t>처리</a:t>
-            </a:r>
-            <a:r>
-              <a:rPr lang="ko-KR" altLang="en-US" sz="1400" dirty="0" smtClean="0"/>
-              <a:t>하여 사용자의 </a:t>
+              <a:t> </a:t>
             </a:r>
             <a:r>
               <a:rPr lang="ko-KR" altLang="en-US" sz="1400" dirty="0"/>
-              <a:t>로그인 상태를 유지시키고 사이트 이용을 간편하게 함</a:t>
+              <a:t>사용자의 로그인 상태를 유지시키고 사이트 이용을 간편하게 함</a:t>
             </a:r>
             <a:r>
               <a:rPr lang="en-US" altLang="ko-KR" sz="1400" dirty="0"/>
@@ -14883,8 +15634,23 @@
               <a:buChar char="•"/>
             </a:pPr>
             <a:r>
+              <a:rPr lang="ko-KR" altLang="en-US" sz="1400" b="1" dirty="0"/>
+              <a:t>회원가입 페이지로의 용이한 이동</a:t>
+            </a:r>
+            <a:r>
+              <a:rPr lang="en-US" altLang="ko-KR" sz="1400" dirty="0"/>
+              <a:t>: </a:t>
+            </a:r>
+            <a:r>
               <a:rPr lang="ko-KR" altLang="en-US" sz="1400" dirty="0"/>
-              <a:t>회원 로그인 화면에서도 회원가입 페이지로의 이동이 용이하도록 설계</a:t>
+              <a:t>회원 로그인 화면에서도 하도록 </a:t>
+            </a:r>
+            <a:br>
+              <a:rPr lang="en-US" altLang="ko-KR" sz="1400" dirty="0"/>
+            </a:br>
+            <a:r>
+              <a:rPr lang="ko-KR" altLang="en-US" sz="1400" dirty="0"/>
+              <a:t>설계함</a:t>
             </a:r>
           </a:p>
         </p:txBody>
@@ -14979,8 +15745,8 @@
         </p:nvSpPr>
         <p:spPr>
           <a:xfrm>
-            <a:off x="6074620" y="4195808"/>
-            <a:ext cx="5742278" cy="1020216"/>
+            <a:off x="5999906" y="5059983"/>
+            <a:ext cx="5992346" cy="1666546"/>
           </a:xfrm>
           <a:prstGeom prst="rect">
             <a:avLst/>
@@ -15001,6 +15767,14 @@
               <a:buChar char="•"/>
             </a:pPr>
             <a:r>
+              <a:rPr lang="ko-KR" altLang="en-US" sz="1400" b="1" dirty="0"/>
+              <a:t>입력 정보와 일치한 사용자의 아이디 조회 </a:t>
+            </a:r>
+            <a:r>
+              <a:rPr lang="en-US" altLang="ko-KR" sz="1400" b="1" dirty="0"/>
+              <a:t>: </a:t>
+            </a:r>
+            <a:r>
               <a:rPr lang="ko-KR" altLang="en-US" sz="1400" dirty="0"/>
               <a:t>아이디</a:t>
             </a:r>
@@ -15014,7 +15788,14 @@
             </a:r>
             <a:r>
               <a:rPr lang="ko-KR" altLang="en-US" sz="1400" dirty="0"/>
-              <a:t> 사용자의 정보를 기반으로 아이디를 찾을 수 있음 </a:t>
+              <a:t> 사용자의 </a:t>
+            </a:r>
+            <a:br>
+              <a:rPr lang="en-US" altLang="ko-KR" sz="1400" dirty="0"/>
+            </a:br>
+            <a:r>
+              <a:rPr lang="ko-KR" altLang="en-US" sz="1400" dirty="0"/>
+              <a:t>정보를 기반으로 아이디를 찾을 수 있음 </a:t>
             </a:r>
             <a:endParaRPr lang="en-US" altLang="ko-KR" sz="1400" dirty="0"/>
           </a:p>
@@ -15027,20 +15808,27 @@
               <a:buChar char="•"/>
             </a:pPr>
             <a:r>
+              <a:rPr lang="ko-KR" altLang="en-US" sz="1400" b="1" dirty="0"/>
+              <a:t>이메일을 통한 임시 비밀번호 발급 </a:t>
+            </a:r>
+            <a:r>
+              <a:rPr lang="en-US" altLang="ko-KR" sz="1400" b="1" dirty="0"/>
+              <a:t>: </a:t>
+            </a:r>
+            <a:r>
+              <a:rPr lang="ko-KR" altLang="en-US" sz="1400" dirty="0" err="1"/>
+              <a:t>해싱</a:t>
+            </a:r>
+            <a:r>
               <a:rPr lang="ko-KR" altLang="en-US" sz="1400" dirty="0"/>
-              <a:t>비밀번호는 보안상의 문제</a:t>
-            </a:r>
-            <a:r>
+              <a:t> 처리된 비밀번호는 복호화</a:t>
+            </a:r>
+            <a:br>
               <a:rPr lang="en-US" altLang="ko-KR" sz="1400" dirty="0"/>
-              <a:t>, </a:t>
-            </a:r>
-            <a:r>
-              <a:rPr lang="ko-KR" altLang="en-US" sz="1400" dirty="0" err="1"/>
-              <a:t>암호화되어있어</a:t>
-            </a:r>
+            </a:br>
             <a:r>
               <a:rPr lang="ko-KR" altLang="en-US" sz="1400" dirty="0"/>
-              <a:t> 새로 설정하도록 설계</a:t>
+              <a:t>할 수 없으므로 임시 비밀번호 발급 후 회원 정보 수정하여 사용 가능</a:t>
             </a:r>
             <a:endParaRPr lang="en-US" altLang="ko-KR" sz="1400" dirty="0"/>
           </a:p>
